--- a/ISAD157 Presentation.pptx
+++ b/ISAD157 Presentation.pptx
@@ -7,6 +7,12 @@
   <p:sldIdLst>
     <p:sldId id="256" r:id="rId2"/>
     <p:sldId id="257" r:id="rId3"/>
+    <p:sldId id="258" r:id="rId4"/>
+    <p:sldId id="259" r:id="rId5"/>
+    <p:sldId id="260" r:id="rId6"/>
+    <p:sldId id="261" r:id="rId7"/>
+    <p:sldId id="262" r:id="rId8"/>
+    <p:sldId id="263" r:id="rId9"/>
   </p:sldIdLst>
   <p:sldSz cx="12192000" cy="6858000"/>
   <p:notesSz cx="6858000" cy="9144000"/>
@@ -105,6 +111,11 @@
       </a:defRPr>
     </a:lvl9pPr>
   </p:defaultTextStyle>
+  <p:extLst>
+    <p:ext uri="{EFAFB233-063F-42B5-8137-9DF3F51BA10A}">
+      <p15:sldGuideLst xmlns:p15="http://schemas.microsoft.com/office/powerpoint/2012/main"/>
+    </p:ext>
+  </p:extLst>
 </p:presentation>
 </file>
 
@@ -5640,9 +5651,7 @@
           <a:lstStyle/>
           <a:p>
             <a:r>
-              <a:rPr lang="en-GB" dirty="0">
-                <a:latin typeface="Baskerville Old Face" panose="02020602080505020303" pitchFamily="18" charset="0"/>
-              </a:rPr>
+              <a:rPr lang="en-GB" dirty="0"/>
               <a:t>ISAD157 Database Coursework </a:t>
             </a:r>
           </a:p>
@@ -5673,7 +5682,7 @@
           <a:p>
             <a:r>
               <a:rPr lang="en-GB" dirty="0">
-                <a:latin typeface="Baskerville Old Face" panose="02020602080505020303" pitchFamily="18" charset="0"/>
+                <a:latin typeface="+mj-lt"/>
               </a:rPr>
               <a:t>This is the presentation of the coursework that involved the creation of a database of fictious Facebook information.</a:t>
             </a:r>
@@ -5903,31 +5912,32 @@
         </p:spPr>
         <p:txBody>
           <a:bodyPr anchor="ctr">
-            <a:normAutofit lnSpcReduction="10000"/>
+            <a:normAutofit fontScale="92500" lnSpcReduction="10000"/>
           </a:bodyPr>
           <a:lstStyle/>
           <a:p>
             <a:r>
-              <a:rPr lang="en-GB" dirty="0"/>
+              <a:rPr lang="en-GB" dirty="0">
+                <a:latin typeface="+mj-lt"/>
+              </a:rPr>
               <a:t>A manager of a Facebook database has approached a so-called Social Media Investigator (SMI) with the worry that it contains suspicious or abusive text that could aid the SMI’s investigation.</a:t>
             </a:r>
           </a:p>
           <a:p>
             <a:r>
-              <a:rPr lang="en-GB" dirty="0"/>
+              <a:rPr lang="en-GB" dirty="0">
+                <a:latin typeface="+mj-lt"/>
+              </a:rPr>
               <a:t>The SMI is given essentially read-only access to a sample of the database (the part that is most likely to contain the issue) to scour through the messages and see what they can find.</a:t>
             </a:r>
           </a:p>
           <a:p>
             <a:r>
-              <a:rPr lang="en-GB" dirty="0"/>
-              <a:t>Obviously, the database manager (DM) would have a higher level of access, having the capability to create new </a:t>
-            </a:r>
-            <a:r>
-              <a:rPr lang="en-GB"/>
-              <a:t>users, and delete and update pre-existing ones. </a:t>
-            </a:r>
-            <a:endParaRPr lang="en-GB" dirty="0"/>
+              <a:rPr lang="en-GB" dirty="0">
+                <a:latin typeface="+mj-lt"/>
+              </a:rPr>
+              <a:t>Obviously, the database manager (DM) would have a higher level of access, having the capability to create new users, and delete and update pre-existing ones. </a:t>
+            </a:r>
           </a:p>
         </p:txBody>
       </p:sp>
@@ -5935,6 +5945,1511 @@
     <p:extLst>
       <p:ext uri="{BB962C8B-B14F-4D97-AF65-F5344CB8AC3E}">
         <p14:creationId xmlns:p14="http://schemas.microsoft.com/office/powerpoint/2010/main" val="1714539614"/>
+      </p:ext>
+    </p:extLst>
+  </p:cSld>
+  <p:clrMapOvr>
+    <a:masterClrMapping/>
+  </p:clrMapOvr>
+</p:sld>
+</file>
+
+<file path=ppt/slides/slide3.xml><?xml version="1.0" encoding="utf-8"?>
+<p:sld xmlns:a="http://schemas.openxmlformats.org/drawingml/2006/main" xmlns:r="http://schemas.openxmlformats.org/officeDocument/2006/relationships" xmlns:p="http://schemas.openxmlformats.org/presentationml/2006/main">
+  <p:cSld>
+    <p:bg>
+      <p:bgPr>
+        <a:blipFill rotWithShape="1">
+          <a:blip r:embed="rId2">
+            <a:duotone>
+              <a:schemeClr val="bg2">
+                <a:shade val="18000"/>
+                <a:satMod val="160000"/>
+                <a:lumMod val="28000"/>
+              </a:schemeClr>
+              <a:schemeClr val="bg2">
+                <a:tint val="95000"/>
+                <a:satMod val="160000"/>
+                <a:lumMod val="116000"/>
+              </a:schemeClr>
+            </a:duotone>
+          </a:blip>
+          <a:stretch/>
+        </a:blipFill>
+        <a:effectLst/>
+      </p:bgPr>
+    </p:bg>
+    <p:spTree>
+      <p:nvGrpSpPr>
+        <p:cNvPr id="1" name=""/>
+        <p:cNvGrpSpPr/>
+        <p:nvPr/>
+      </p:nvGrpSpPr>
+      <p:grpSpPr>
+        <a:xfrm>
+          <a:off x="0" y="0"/>
+          <a:ext cx="0" cy="0"/>
+          <a:chOff x="0" y="0"/>
+          <a:chExt cx="0" cy="0"/>
+        </a:xfrm>
+      </p:grpSpPr>
+      <p:sp useBgFill="1">
+        <p:nvSpPr>
+          <p:cNvPr id="8" name="Rectangle 7">
+            <a:extLst>
+              <a:ext uri="{FF2B5EF4-FFF2-40B4-BE49-F238E27FC236}">
+                <a16:creationId xmlns:a16="http://schemas.microsoft.com/office/drawing/2014/main" id="{BC052280-388E-4151-A1EB-5236D4FCCA28}"/>
+              </a:ext>
+              <a:ext uri="{C183D7F6-B498-43B3-948B-1728B52AA6E4}">
+                <adec:decorative xmlns:adec="http://schemas.microsoft.com/office/drawing/2017/decorative" val="1"/>
+              </a:ext>
+            </a:extLst>
+          </p:cNvPr>
+          <p:cNvSpPr>
+            <a:spLocks noGrp="1" noRot="1" noChangeAspect="1" noMove="1" noResize="1" noEditPoints="1" noAdjustHandles="1" noChangeArrowheads="1" noChangeShapeType="1" noTextEdit="1"/>
+          </p:cNvSpPr>
+          <p:nvPr>
+            <p:extLst>
+              <p:ext uri="{386F3935-93C4-4BCD-93E2-E3B085C9AB24}">
+                <p16:designElem xmlns:p16="http://schemas.microsoft.com/office/powerpoint/2015/main" val="1"/>
+              </p:ext>
+            </p:extLst>
+          </p:nvPr>
+        </p:nvSpPr>
+        <p:spPr>
+          <a:xfrm>
+            <a:off x="0" y="0"/>
+            <a:ext cx="12192000" cy="6858000"/>
+          </a:xfrm>
+          <a:prstGeom prst="rect">
+            <a:avLst/>
+          </a:prstGeom>
+          <a:ln>
+            <a:noFill/>
+          </a:ln>
+        </p:spPr>
+        <p:style>
+          <a:lnRef idx="2">
+            <a:schemeClr val="accent1">
+              <a:shade val="50000"/>
+            </a:schemeClr>
+          </a:lnRef>
+          <a:fillRef idx="1">
+            <a:schemeClr val="accent1"/>
+          </a:fillRef>
+          <a:effectRef idx="0">
+            <a:schemeClr val="accent1"/>
+          </a:effectRef>
+          <a:fontRef idx="minor">
+            <a:schemeClr val="lt1"/>
+          </a:fontRef>
+        </p:style>
+        <p:txBody>
+          <a:bodyPr rtlCol="0" anchor="ctr"/>
+          <a:lstStyle/>
+          <a:p>
+            <a:pPr algn="ctr"/>
+            <a:endParaRPr lang="en-US"/>
+          </a:p>
+        </p:txBody>
+      </p:sp>
+      <p:sp>
+        <p:nvSpPr>
+          <p:cNvPr id="2" name="Title 1">
+            <a:extLst>
+              <a:ext uri="{FF2B5EF4-FFF2-40B4-BE49-F238E27FC236}">
+                <a16:creationId xmlns:a16="http://schemas.microsoft.com/office/drawing/2014/main" id="{86303964-F6FE-4868-9CC2-074D1EF77090}"/>
+              </a:ext>
+            </a:extLst>
+          </p:cNvPr>
+          <p:cNvSpPr>
+            <a:spLocks noGrp="1"/>
+          </p:cNvSpPr>
+          <p:nvPr>
+            <p:ph type="title"/>
+          </p:nvPr>
+        </p:nvSpPr>
+        <p:spPr>
+          <a:xfrm>
+            <a:off x="913796" y="927100"/>
+            <a:ext cx="3418766" cy="4616450"/>
+          </a:xfrm>
+        </p:spPr>
+        <p:txBody>
+          <a:bodyPr>
+            <a:normAutofit/>
+          </a:bodyPr>
+          <a:lstStyle/>
+          <a:p>
+            <a:r>
+              <a:rPr lang="en-GB" dirty="0"/>
+              <a:t>UML Diagrams 1</a:t>
+            </a:r>
+          </a:p>
+        </p:txBody>
+      </p:sp>
+      <p:cxnSp>
+        <p:nvCxnSpPr>
+          <p:cNvPr id="10" name="Straight Connector 9">
+            <a:extLst>
+              <a:ext uri="{FF2B5EF4-FFF2-40B4-BE49-F238E27FC236}">
+                <a16:creationId xmlns:a16="http://schemas.microsoft.com/office/drawing/2014/main" id="{744251C3-E720-4363-8AF0-20AD319374F0}"/>
+              </a:ext>
+              <a:ext uri="{C183D7F6-B498-43B3-948B-1728B52AA6E4}">
+                <adec:decorative xmlns:adec="http://schemas.microsoft.com/office/drawing/2017/decorative" val="1"/>
+              </a:ext>
+            </a:extLst>
+          </p:cNvPr>
+          <p:cNvCxnSpPr>
+            <a:cxnSpLocks noGrp="1" noRot="1" noChangeAspect="1" noMove="1" noResize="1" noEditPoints="1" noAdjustHandles="1" noChangeArrowheads="1" noChangeShapeType="1"/>
+          </p:cNvCxnSpPr>
+          <p:nvPr>
+            <p:extLst>
+              <p:ext uri="{386F3935-93C4-4BCD-93E2-E3B085C9AB24}">
+                <p16:designElem xmlns:p16="http://schemas.microsoft.com/office/powerpoint/2015/main" val="1"/>
+              </p:ext>
+            </p:extLst>
+          </p:nvPr>
+        </p:nvCxnSpPr>
+        <p:spPr>
+          <a:xfrm>
+            <a:off x="4654296" y="2301359"/>
+            <a:ext cx="0" cy="1911350"/>
+          </a:xfrm>
+          <a:prstGeom prst="line">
+            <a:avLst/>
+          </a:prstGeom>
+          <a:ln>
+            <a:solidFill>
+              <a:schemeClr val="tx2"/>
+            </a:solidFill>
+          </a:ln>
+        </p:spPr>
+        <p:style>
+          <a:lnRef idx="1">
+            <a:schemeClr val="accent1"/>
+          </a:lnRef>
+          <a:fillRef idx="0">
+            <a:schemeClr val="accent1"/>
+          </a:fillRef>
+          <a:effectRef idx="0">
+            <a:schemeClr val="accent1"/>
+          </a:effectRef>
+          <a:fontRef idx="minor">
+            <a:schemeClr val="tx1"/>
+          </a:fontRef>
+        </p:style>
+      </p:cxnSp>
+      <p:sp>
+        <p:nvSpPr>
+          <p:cNvPr id="3" name="Content Placeholder 2">
+            <a:extLst>
+              <a:ext uri="{FF2B5EF4-FFF2-40B4-BE49-F238E27FC236}">
+                <a16:creationId xmlns:a16="http://schemas.microsoft.com/office/drawing/2014/main" id="{DC900C16-142C-4B16-82BF-214B435B784E}"/>
+              </a:ext>
+            </a:extLst>
+          </p:cNvPr>
+          <p:cNvSpPr>
+            <a:spLocks noGrp="1"/>
+          </p:cNvSpPr>
+          <p:nvPr>
+            <p:ph idx="1"/>
+          </p:nvPr>
+        </p:nvSpPr>
+        <p:spPr>
+          <a:xfrm>
+            <a:off x="4976029" y="971549"/>
+            <a:ext cx="6291528" cy="4616450"/>
+          </a:xfrm>
+        </p:spPr>
+        <p:txBody>
+          <a:bodyPr anchor="ctr">
+            <a:normAutofit/>
+          </a:bodyPr>
+          <a:lstStyle/>
+          <a:p>
+            <a:pPr>
+              <a:lnSpc>
+                <a:spcPct val="110000"/>
+              </a:lnSpc>
+            </a:pPr>
+            <a:r>
+              <a:rPr lang="en-GB" sz="1600" dirty="0">
+                <a:latin typeface="+mj-lt"/>
+              </a:rPr>
+              <a:t>The Use Case Diagram was created in order to very clearly distinguish the levels of access (and hence, implicitly the) roles of each user (the SMI and DM) – evidently, the SMI can simply access user profiles (and, through them, friends of the user and messages of the user) whereas the DM has that access additional to the capability to update and delete pre-existing users as well as create new ones.</a:t>
+            </a:r>
+          </a:p>
+          <a:p>
+            <a:pPr>
+              <a:lnSpc>
+                <a:spcPct val="110000"/>
+              </a:lnSpc>
+            </a:pPr>
+            <a:r>
+              <a:rPr lang="en-GB" sz="1600" dirty="0">
+                <a:latin typeface="+mj-lt"/>
+              </a:rPr>
+              <a:t>The Class Diagram was created in order to show what each C# class would look like (at least in theory); although the classes were never used/implemented, they would likely appear as they do in the diagram. Also shown is the one-to-many relationship that the User class would share with both Friend and Message. Admittedly, the implementation of functionality of some methods (e.g. </a:t>
+            </a:r>
+            <a:r>
+              <a:rPr lang="en-GB" sz="1600" dirty="0" err="1">
+                <a:latin typeface="+mj-lt"/>
+              </a:rPr>
+              <a:t>selectNewUser</a:t>
+            </a:r>
+            <a:r>
+              <a:rPr lang="en-GB" sz="1600" dirty="0">
+                <a:latin typeface="+mj-lt"/>
+              </a:rPr>
+              <a:t>( )) was something I didn’t really know how to achieve, so it wasn’t done.</a:t>
+            </a:r>
+          </a:p>
+        </p:txBody>
+      </p:sp>
+    </p:spTree>
+    <p:extLst>
+      <p:ext uri="{BB962C8B-B14F-4D97-AF65-F5344CB8AC3E}">
+        <p14:creationId xmlns:p14="http://schemas.microsoft.com/office/powerpoint/2010/main" val="364307812"/>
+      </p:ext>
+    </p:extLst>
+  </p:cSld>
+  <p:clrMapOvr>
+    <a:masterClrMapping/>
+  </p:clrMapOvr>
+</p:sld>
+</file>
+
+<file path=ppt/slides/slide4.xml><?xml version="1.0" encoding="utf-8"?>
+<p:sld xmlns:a="http://schemas.openxmlformats.org/drawingml/2006/main" xmlns:r="http://schemas.openxmlformats.org/officeDocument/2006/relationships" xmlns:p="http://schemas.openxmlformats.org/presentationml/2006/main">
+  <p:cSld>
+    <p:bg>
+      <p:bgPr>
+        <a:blipFill rotWithShape="1">
+          <a:blip r:embed="rId2">
+            <a:duotone>
+              <a:schemeClr val="bg2">
+                <a:shade val="18000"/>
+                <a:satMod val="160000"/>
+                <a:lumMod val="28000"/>
+              </a:schemeClr>
+              <a:schemeClr val="bg2">
+                <a:tint val="95000"/>
+                <a:satMod val="160000"/>
+                <a:lumMod val="116000"/>
+              </a:schemeClr>
+            </a:duotone>
+          </a:blip>
+          <a:stretch/>
+        </a:blipFill>
+        <a:effectLst/>
+      </p:bgPr>
+    </p:bg>
+    <p:spTree>
+      <p:nvGrpSpPr>
+        <p:cNvPr id="1" name=""/>
+        <p:cNvGrpSpPr/>
+        <p:nvPr/>
+      </p:nvGrpSpPr>
+      <p:grpSpPr>
+        <a:xfrm>
+          <a:off x="0" y="0"/>
+          <a:ext cx="0" cy="0"/>
+          <a:chOff x="0" y="0"/>
+          <a:chExt cx="0" cy="0"/>
+        </a:xfrm>
+      </p:grpSpPr>
+      <p:sp useBgFill="1">
+        <p:nvSpPr>
+          <p:cNvPr id="8" name="Rectangle 7">
+            <a:extLst>
+              <a:ext uri="{FF2B5EF4-FFF2-40B4-BE49-F238E27FC236}">
+                <a16:creationId xmlns:a16="http://schemas.microsoft.com/office/drawing/2014/main" id="{BC052280-388E-4151-A1EB-5236D4FCCA28}"/>
+              </a:ext>
+              <a:ext uri="{C183D7F6-B498-43B3-948B-1728B52AA6E4}">
+                <adec:decorative xmlns:adec="http://schemas.microsoft.com/office/drawing/2017/decorative" val="1"/>
+              </a:ext>
+            </a:extLst>
+          </p:cNvPr>
+          <p:cNvSpPr>
+            <a:spLocks noGrp="1" noRot="1" noChangeAspect="1" noMove="1" noResize="1" noEditPoints="1" noAdjustHandles="1" noChangeArrowheads="1" noChangeShapeType="1" noTextEdit="1"/>
+          </p:cNvSpPr>
+          <p:nvPr>
+            <p:extLst>
+              <p:ext uri="{386F3935-93C4-4BCD-93E2-E3B085C9AB24}">
+                <p16:designElem xmlns:p16="http://schemas.microsoft.com/office/powerpoint/2015/main" val="1"/>
+              </p:ext>
+            </p:extLst>
+          </p:nvPr>
+        </p:nvSpPr>
+        <p:spPr>
+          <a:xfrm>
+            <a:off x="0" y="0"/>
+            <a:ext cx="12192000" cy="6858000"/>
+          </a:xfrm>
+          <a:prstGeom prst="rect">
+            <a:avLst/>
+          </a:prstGeom>
+          <a:ln>
+            <a:noFill/>
+          </a:ln>
+        </p:spPr>
+        <p:style>
+          <a:lnRef idx="2">
+            <a:schemeClr val="accent1">
+              <a:shade val="50000"/>
+            </a:schemeClr>
+          </a:lnRef>
+          <a:fillRef idx="1">
+            <a:schemeClr val="accent1"/>
+          </a:fillRef>
+          <a:effectRef idx="0">
+            <a:schemeClr val="accent1"/>
+          </a:effectRef>
+          <a:fontRef idx="minor">
+            <a:schemeClr val="lt1"/>
+          </a:fontRef>
+        </p:style>
+        <p:txBody>
+          <a:bodyPr rtlCol="0" anchor="ctr"/>
+          <a:lstStyle/>
+          <a:p>
+            <a:pPr algn="ctr"/>
+            <a:endParaRPr lang="en-US"/>
+          </a:p>
+        </p:txBody>
+      </p:sp>
+      <p:sp>
+        <p:nvSpPr>
+          <p:cNvPr id="2" name="Title 1">
+            <a:extLst>
+              <a:ext uri="{FF2B5EF4-FFF2-40B4-BE49-F238E27FC236}">
+                <a16:creationId xmlns:a16="http://schemas.microsoft.com/office/drawing/2014/main" id="{86303964-F6FE-4868-9CC2-074D1EF77090}"/>
+              </a:ext>
+            </a:extLst>
+          </p:cNvPr>
+          <p:cNvSpPr>
+            <a:spLocks noGrp="1"/>
+          </p:cNvSpPr>
+          <p:nvPr>
+            <p:ph type="title"/>
+          </p:nvPr>
+        </p:nvSpPr>
+        <p:spPr>
+          <a:xfrm>
+            <a:off x="913796" y="927100"/>
+            <a:ext cx="3418766" cy="4616450"/>
+          </a:xfrm>
+        </p:spPr>
+        <p:txBody>
+          <a:bodyPr>
+            <a:normAutofit/>
+          </a:bodyPr>
+          <a:lstStyle/>
+          <a:p>
+            <a:r>
+              <a:rPr lang="en-GB" dirty="0"/>
+              <a:t>UML Diagrams 2</a:t>
+            </a:r>
+          </a:p>
+        </p:txBody>
+      </p:sp>
+      <p:cxnSp>
+        <p:nvCxnSpPr>
+          <p:cNvPr id="10" name="Straight Connector 9">
+            <a:extLst>
+              <a:ext uri="{FF2B5EF4-FFF2-40B4-BE49-F238E27FC236}">
+                <a16:creationId xmlns:a16="http://schemas.microsoft.com/office/drawing/2014/main" id="{744251C3-E720-4363-8AF0-20AD319374F0}"/>
+              </a:ext>
+              <a:ext uri="{C183D7F6-B498-43B3-948B-1728B52AA6E4}">
+                <adec:decorative xmlns:adec="http://schemas.microsoft.com/office/drawing/2017/decorative" val="1"/>
+              </a:ext>
+            </a:extLst>
+          </p:cNvPr>
+          <p:cNvCxnSpPr>
+            <a:cxnSpLocks noGrp="1" noRot="1" noChangeAspect="1" noMove="1" noResize="1" noEditPoints="1" noAdjustHandles="1" noChangeArrowheads="1" noChangeShapeType="1"/>
+          </p:cNvCxnSpPr>
+          <p:nvPr>
+            <p:extLst>
+              <p:ext uri="{386F3935-93C4-4BCD-93E2-E3B085C9AB24}">
+                <p16:designElem xmlns:p16="http://schemas.microsoft.com/office/powerpoint/2015/main" val="1"/>
+              </p:ext>
+            </p:extLst>
+          </p:nvPr>
+        </p:nvCxnSpPr>
+        <p:spPr>
+          <a:xfrm>
+            <a:off x="4654296" y="2301359"/>
+            <a:ext cx="0" cy="1911350"/>
+          </a:xfrm>
+          <a:prstGeom prst="line">
+            <a:avLst/>
+          </a:prstGeom>
+          <a:ln>
+            <a:solidFill>
+              <a:schemeClr val="tx2"/>
+            </a:solidFill>
+          </a:ln>
+        </p:spPr>
+        <p:style>
+          <a:lnRef idx="1">
+            <a:schemeClr val="accent1"/>
+          </a:lnRef>
+          <a:fillRef idx="0">
+            <a:schemeClr val="accent1"/>
+          </a:fillRef>
+          <a:effectRef idx="0">
+            <a:schemeClr val="accent1"/>
+          </a:effectRef>
+          <a:fontRef idx="minor">
+            <a:schemeClr val="tx1"/>
+          </a:fontRef>
+        </p:style>
+      </p:cxnSp>
+      <p:sp>
+        <p:nvSpPr>
+          <p:cNvPr id="3" name="Content Placeholder 2">
+            <a:extLst>
+              <a:ext uri="{FF2B5EF4-FFF2-40B4-BE49-F238E27FC236}">
+                <a16:creationId xmlns:a16="http://schemas.microsoft.com/office/drawing/2014/main" id="{DC900C16-142C-4B16-82BF-214B435B784E}"/>
+              </a:ext>
+            </a:extLst>
+          </p:cNvPr>
+          <p:cNvSpPr>
+            <a:spLocks noGrp="1"/>
+          </p:cNvSpPr>
+          <p:nvPr>
+            <p:ph idx="1"/>
+          </p:nvPr>
+        </p:nvSpPr>
+        <p:spPr>
+          <a:xfrm>
+            <a:off x="4976029" y="971549"/>
+            <a:ext cx="6291528" cy="4616450"/>
+          </a:xfrm>
+        </p:spPr>
+        <p:txBody>
+          <a:bodyPr anchor="ctr">
+            <a:normAutofit/>
+          </a:bodyPr>
+          <a:lstStyle/>
+          <a:p>
+            <a:pPr>
+              <a:lnSpc>
+                <a:spcPct val="110000"/>
+              </a:lnSpc>
+            </a:pPr>
+            <a:r>
+              <a:rPr lang="en-GB" sz="1600" dirty="0">
+                <a:latin typeface="+mj-lt"/>
+              </a:rPr>
+              <a:t>The Sequence Diagram describes the methods (from the Class Diagram) in terms of order, and time, of execution. There exists a loop in it as, in theory, the viewing of the database does not have an exit point until the user decides to exit. This loop is the same for both the users of the database, but the DM also has the other CRUD features as methods. These only reach the User object as updating the user involves attaching friends and messages to the user (it’s part of a User).</a:t>
+            </a:r>
+          </a:p>
+          <a:p>
+            <a:pPr>
+              <a:lnSpc>
+                <a:spcPct val="110000"/>
+              </a:lnSpc>
+            </a:pPr>
+            <a:r>
+              <a:rPr lang="en-GB" sz="1600" dirty="0">
+                <a:latin typeface="+mj-lt"/>
+              </a:rPr>
+              <a:t>The State Diagram describes the states in which a database user is at any point through the viewing (or, for the DM, creating, updating, or deleting) process. It simply has the state of viewing each table of the data (users, friends, and messages) as it needn’t have much more.</a:t>
+            </a:r>
+          </a:p>
+        </p:txBody>
+      </p:sp>
+    </p:spTree>
+    <p:extLst>
+      <p:ext uri="{BB962C8B-B14F-4D97-AF65-F5344CB8AC3E}">
+        <p14:creationId xmlns:p14="http://schemas.microsoft.com/office/powerpoint/2010/main" val="1686213137"/>
+      </p:ext>
+    </p:extLst>
+  </p:cSld>
+  <p:clrMapOvr>
+    <a:masterClrMapping/>
+  </p:clrMapOvr>
+</p:sld>
+</file>
+
+<file path=ppt/slides/slide5.xml><?xml version="1.0" encoding="utf-8"?>
+<p:sld xmlns:a="http://schemas.openxmlformats.org/drawingml/2006/main" xmlns:r="http://schemas.openxmlformats.org/officeDocument/2006/relationships" xmlns:p="http://schemas.openxmlformats.org/presentationml/2006/main">
+  <p:cSld>
+    <p:bg>
+      <p:bgPr>
+        <a:blipFill rotWithShape="1">
+          <a:blip r:embed="rId2">
+            <a:duotone>
+              <a:schemeClr val="bg2">
+                <a:shade val="18000"/>
+                <a:satMod val="160000"/>
+                <a:lumMod val="28000"/>
+              </a:schemeClr>
+              <a:schemeClr val="bg2">
+                <a:tint val="95000"/>
+                <a:satMod val="160000"/>
+                <a:lumMod val="116000"/>
+              </a:schemeClr>
+            </a:duotone>
+          </a:blip>
+          <a:stretch/>
+        </a:blipFill>
+        <a:effectLst/>
+      </p:bgPr>
+    </p:bg>
+    <p:spTree>
+      <p:nvGrpSpPr>
+        <p:cNvPr id="1" name=""/>
+        <p:cNvGrpSpPr/>
+        <p:nvPr/>
+      </p:nvGrpSpPr>
+      <p:grpSpPr>
+        <a:xfrm>
+          <a:off x="0" y="0"/>
+          <a:ext cx="0" cy="0"/>
+          <a:chOff x="0" y="0"/>
+          <a:chExt cx="0" cy="0"/>
+        </a:xfrm>
+      </p:grpSpPr>
+      <p:sp useBgFill="1">
+        <p:nvSpPr>
+          <p:cNvPr id="8" name="Rectangle 7">
+            <a:extLst>
+              <a:ext uri="{FF2B5EF4-FFF2-40B4-BE49-F238E27FC236}">
+                <a16:creationId xmlns:a16="http://schemas.microsoft.com/office/drawing/2014/main" id="{BC052280-388E-4151-A1EB-5236D4FCCA28}"/>
+              </a:ext>
+              <a:ext uri="{C183D7F6-B498-43B3-948B-1728B52AA6E4}">
+                <adec:decorative xmlns:adec="http://schemas.microsoft.com/office/drawing/2017/decorative" val="1"/>
+              </a:ext>
+            </a:extLst>
+          </p:cNvPr>
+          <p:cNvSpPr>
+            <a:spLocks noGrp="1" noRot="1" noChangeAspect="1" noMove="1" noResize="1" noEditPoints="1" noAdjustHandles="1" noChangeArrowheads="1" noChangeShapeType="1" noTextEdit="1"/>
+          </p:cNvSpPr>
+          <p:nvPr>
+            <p:extLst>
+              <p:ext uri="{386F3935-93C4-4BCD-93E2-E3B085C9AB24}">
+                <p16:designElem xmlns:p16="http://schemas.microsoft.com/office/powerpoint/2015/main" val="1"/>
+              </p:ext>
+            </p:extLst>
+          </p:nvPr>
+        </p:nvSpPr>
+        <p:spPr>
+          <a:xfrm>
+            <a:off x="0" y="0"/>
+            <a:ext cx="12192000" cy="6858000"/>
+          </a:xfrm>
+          <a:prstGeom prst="rect">
+            <a:avLst/>
+          </a:prstGeom>
+          <a:ln>
+            <a:noFill/>
+          </a:ln>
+        </p:spPr>
+        <p:style>
+          <a:lnRef idx="2">
+            <a:schemeClr val="accent1">
+              <a:shade val="50000"/>
+            </a:schemeClr>
+          </a:lnRef>
+          <a:fillRef idx="1">
+            <a:schemeClr val="accent1"/>
+          </a:fillRef>
+          <a:effectRef idx="0">
+            <a:schemeClr val="accent1"/>
+          </a:effectRef>
+          <a:fontRef idx="minor">
+            <a:schemeClr val="lt1"/>
+          </a:fontRef>
+        </p:style>
+        <p:txBody>
+          <a:bodyPr rtlCol="0" anchor="ctr"/>
+          <a:lstStyle/>
+          <a:p>
+            <a:pPr algn="ctr"/>
+            <a:endParaRPr lang="en-US"/>
+          </a:p>
+        </p:txBody>
+      </p:sp>
+      <p:sp>
+        <p:nvSpPr>
+          <p:cNvPr id="2" name="Title 1">
+            <a:extLst>
+              <a:ext uri="{FF2B5EF4-FFF2-40B4-BE49-F238E27FC236}">
+                <a16:creationId xmlns:a16="http://schemas.microsoft.com/office/drawing/2014/main" id="{86303964-F6FE-4868-9CC2-074D1EF77090}"/>
+              </a:ext>
+            </a:extLst>
+          </p:cNvPr>
+          <p:cNvSpPr>
+            <a:spLocks noGrp="1"/>
+          </p:cNvSpPr>
+          <p:nvPr>
+            <p:ph type="title"/>
+          </p:nvPr>
+        </p:nvSpPr>
+        <p:spPr>
+          <a:xfrm>
+            <a:off x="913796" y="927100"/>
+            <a:ext cx="3418766" cy="4616450"/>
+          </a:xfrm>
+        </p:spPr>
+        <p:txBody>
+          <a:bodyPr>
+            <a:normAutofit/>
+          </a:bodyPr>
+          <a:lstStyle/>
+          <a:p>
+            <a:r>
+              <a:rPr lang="en-GB" dirty="0"/>
+              <a:t>UML Diagrams 3</a:t>
+            </a:r>
+          </a:p>
+        </p:txBody>
+      </p:sp>
+      <p:cxnSp>
+        <p:nvCxnSpPr>
+          <p:cNvPr id="10" name="Straight Connector 9">
+            <a:extLst>
+              <a:ext uri="{FF2B5EF4-FFF2-40B4-BE49-F238E27FC236}">
+                <a16:creationId xmlns:a16="http://schemas.microsoft.com/office/drawing/2014/main" id="{744251C3-E720-4363-8AF0-20AD319374F0}"/>
+              </a:ext>
+              <a:ext uri="{C183D7F6-B498-43B3-948B-1728B52AA6E4}">
+                <adec:decorative xmlns:adec="http://schemas.microsoft.com/office/drawing/2017/decorative" val="1"/>
+              </a:ext>
+            </a:extLst>
+          </p:cNvPr>
+          <p:cNvCxnSpPr>
+            <a:cxnSpLocks noGrp="1" noRot="1" noChangeAspect="1" noMove="1" noResize="1" noEditPoints="1" noAdjustHandles="1" noChangeArrowheads="1" noChangeShapeType="1"/>
+          </p:cNvCxnSpPr>
+          <p:nvPr>
+            <p:extLst>
+              <p:ext uri="{386F3935-93C4-4BCD-93E2-E3B085C9AB24}">
+                <p16:designElem xmlns:p16="http://schemas.microsoft.com/office/powerpoint/2015/main" val="1"/>
+              </p:ext>
+            </p:extLst>
+          </p:nvPr>
+        </p:nvCxnSpPr>
+        <p:spPr>
+          <a:xfrm>
+            <a:off x="4654296" y="2301359"/>
+            <a:ext cx="0" cy="1911350"/>
+          </a:xfrm>
+          <a:prstGeom prst="line">
+            <a:avLst/>
+          </a:prstGeom>
+          <a:ln>
+            <a:solidFill>
+              <a:schemeClr val="tx2"/>
+            </a:solidFill>
+          </a:ln>
+        </p:spPr>
+        <p:style>
+          <a:lnRef idx="1">
+            <a:schemeClr val="accent1"/>
+          </a:lnRef>
+          <a:fillRef idx="0">
+            <a:schemeClr val="accent1"/>
+          </a:fillRef>
+          <a:effectRef idx="0">
+            <a:schemeClr val="accent1"/>
+          </a:effectRef>
+          <a:fontRef idx="minor">
+            <a:schemeClr val="tx1"/>
+          </a:fontRef>
+        </p:style>
+      </p:cxnSp>
+      <p:sp>
+        <p:nvSpPr>
+          <p:cNvPr id="3" name="Content Placeholder 2">
+            <a:extLst>
+              <a:ext uri="{FF2B5EF4-FFF2-40B4-BE49-F238E27FC236}">
+                <a16:creationId xmlns:a16="http://schemas.microsoft.com/office/drawing/2014/main" id="{DC900C16-142C-4B16-82BF-214B435B784E}"/>
+              </a:ext>
+            </a:extLst>
+          </p:cNvPr>
+          <p:cNvSpPr>
+            <a:spLocks noGrp="1"/>
+          </p:cNvSpPr>
+          <p:nvPr>
+            <p:ph idx="1"/>
+          </p:nvPr>
+        </p:nvSpPr>
+        <p:spPr>
+          <a:xfrm>
+            <a:off x="4976029" y="971549"/>
+            <a:ext cx="6291528" cy="4616450"/>
+          </a:xfrm>
+        </p:spPr>
+        <p:txBody>
+          <a:bodyPr anchor="ctr">
+            <a:normAutofit/>
+          </a:bodyPr>
+          <a:lstStyle/>
+          <a:p>
+            <a:pPr>
+              <a:lnSpc>
+                <a:spcPct val="110000"/>
+              </a:lnSpc>
+            </a:pPr>
+            <a:r>
+              <a:rPr lang="en-GB" sz="1600" dirty="0">
+                <a:latin typeface="+mj-lt"/>
+              </a:rPr>
+              <a:t>The Activity Diagram is similar to the State Diagram except that, instead of showing states, it shows activities of the database user demonstrated through a verb (phrase) followed by a noun. Both diagrams are largely comprised of decisions (rather than regular activities) as the cyclical nature of the (intended) database means that exiting really only happens at the viewing of a user, and so every other activity revolves around that. (Again, though, the database simply displays everything separately as I couldn’t figure out quickly enough how to interlink everything as intended).</a:t>
+            </a:r>
+          </a:p>
+        </p:txBody>
+      </p:sp>
+    </p:spTree>
+    <p:extLst>
+      <p:ext uri="{BB962C8B-B14F-4D97-AF65-F5344CB8AC3E}">
+        <p14:creationId xmlns:p14="http://schemas.microsoft.com/office/powerpoint/2010/main" val="2201261664"/>
+      </p:ext>
+    </p:extLst>
+  </p:cSld>
+  <p:clrMapOvr>
+    <a:masterClrMapping/>
+  </p:clrMapOvr>
+</p:sld>
+</file>
+
+<file path=ppt/slides/slide6.xml><?xml version="1.0" encoding="utf-8"?>
+<p:sld xmlns:a="http://schemas.openxmlformats.org/drawingml/2006/main" xmlns:r="http://schemas.openxmlformats.org/officeDocument/2006/relationships" xmlns:p="http://schemas.openxmlformats.org/presentationml/2006/main">
+  <p:cSld>
+    <p:bg>
+      <p:bgPr>
+        <a:blipFill rotWithShape="1">
+          <a:blip r:embed="rId2">
+            <a:duotone>
+              <a:schemeClr val="bg2">
+                <a:shade val="18000"/>
+                <a:satMod val="160000"/>
+                <a:lumMod val="28000"/>
+              </a:schemeClr>
+              <a:schemeClr val="bg2">
+                <a:tint val="95000"/>
+                <a:satMod val="160000"/>
+                <a:lumMod val="116000"/>
+              </a:schemeClr>
+            </a:duotone>
+          </a:blip>
+          <a:stretch/>
+        </a:blipFill>
+        <a:effectLst/>
+      </p:bgPr>
+    </p:bg>
+    <p:spTree>
+      <p:nvGrpSpPr>
+        <p:cNvPr id="1" name=""/>
+        <p:cNvGrpSpPr/>
+        <p:nvPr/>
+      </p:nvGrpSpPr>
+      <p:grpSpPr>
+        <a:xfrm>
+          <a:off x="0" y="0"/>
+          <a:ext cx="0" cy="0"/>
+          <a:chOff x="0" y="0"/>
+          <a:chExt cx="0" cy="0"/>
+        </a:xfrm>
+      </p:grpSpPr>
+      <p:sp useBgFill="1">
+        <p:nvSpPr>
+          <p:cNvPr id="8" name="Rectangle 7">
+            <a:extLst>
+              <a:ext uri="{FF2B5EF4-FFF2-40B4-BE49-F238E27FC236}">
+                <a16:creationId xmlns:a16="http://schemas.microsoft.com/office/drawing/2014/main" id="{BC052280-388E-4151-A1EB-5236D4FCCA28}"/>
+              </a:ext>
+              <a:ext uri="{C183D7F6-B498-43B3-948B-1728B52AA6E4}">
+                <adec:decorative xmlns:adec="http://schemas.microsoft.com/office/drawing/2017/decorative" val="1"/>
+              </a:ext>
+            </a:extLst>
+          </p:cNvPr>
+          <p:cNvSpPr>
+            <a:spLocks noGrp="1" noRot="1" noChangeAspect="1" noMove="1" noResize="1" noEditPoints="1" noAdjustHandles="1" noChangeArrowheads="1" noChangeShapeType="1" noTextEdit="1"/>
+          </p:cNvSpPr>
+          <p:nvPr>
+            <p:extLst>
+              <p:ext uri="{386F3935-93C4-4BCD-93E2-E3B085C9AB24}">
+                <p16:designElem xmlns:p16="http://schemas.microsoft.com/office/powerpoint/2015/main" val="1"/>
+              </p:ext>
+            </p:extLst>
+          </p:nvPr>
+        </p:nvSpPr>
+        <p:spPr>
+          <a:xfrm>
+            <a:off x="0" y="0"/>
+            <a:ext cx="12192000" cy="6858000"/>
+          </a:xfrm>
+          <a:prstGeom prst="rect">
+            <a:avLst/>
+          </a:prstGeom>
+          <a:ln>
+            <a:noFill/>
+          </a:ln>
+        </p:spPr>
+        <p:style>
+          <a:lnRef idx="2">
+            <a:schemeClr val="accent1">
+              <a:shade val="50000"/>
+            </a:schemeClr>
+          </a:lnRef>
+          <a:fillRef idx="1">
+            <a:schemeClr val="accent1"/>
+          </a:fillRef>
+          <a:effectRef idx="0">
+            <a:schemeClr val="accent1"/>
+          </a:effectRef>
+          <a:fontRef idx="minor">
+            <a:schemeClr val="lt1"/>
+          </a:fontRef>
+        </p:style>
+        <p:txBody>
+          <a:bodyPr rtlCol="0" anchor="ctr"/>
+          <a:lstStyle/>
+          <a:p>
+            <a:pPr algn="ctr"/>
+            <a:endParaRPr lang="en-US"/>
+          </a:p>
+        </p:txBody>
+      </p:sp>
+      <p:sp>
+        <p:nvSpPr>
+          <p:cNvPr id="2" name="Title 1">
+            <a:extLst>
+              <a:ext uri="{FF2B5EF4-FFF2-40B4-BE49-F238E27FC236}">
+                <a16:creationId xmlns:a16="http://schemas.microsoft.com/office/drawing/2014/main" id="{86303964-F6FE-4868-9CC2-074D1EF77090}"/>
+              </a:ext>
+            </a:extLst>
+          </p:cNvPr>
+          <p:cNvSpPr>
+            <a:spLocks noGrp="1"/>
+          </p:cNvSpPr>
+          <p:nvPr>
+            <p:ph type="title"/>
+          </p:nvPr>
+        </p:nvSpPr>
+        <p:spPr>
+          <a:xfrm>
+            <a:off x="913796" y="927100"/>
+            <a:ext cx="3418766" cy="4616450"/>
+          </a:xfrm>
+        </p:spPr>
+        <p:txBody>
+          <a:bodyPr>
+            <a:normAutofit/>
+          </a:bodyPr>
+          <a:lstStyle/>
+          <a:p>
+            <a:r>
+              <a:rPr lang="en-GB" dirty="0"/>
+              <a:t>Entity Relations 1</a:t>
+            </a:r>
+          </a:p>
+        </p:txBody>
+      </p:sp>
+      <p:cxnSp>
+        <p:nvCxnSpPr>
+          <p:cNvPr id="10" name="Straight Connector 9">
+            <a:extLst>
+              <a:ext uri="{FF2B5EF4-FFF2-40B4-BE49-F238E27FC236}">
+                <a16:creationId xmlns:a16="http://schemas.microsoft.com/office/drawing/2014/main" id="{744251C3-E720-4363-8AF0-20AD319374F0}"/>
+              </a:ext>
+              <a:ext uri="{C183D7F6-B498-43B3-948B-1728B52AA6E4}">
+                <adec:decorative xmlns:adec="http://schemas.microsoft.com/office/drawing/2017/decorative" val="1"/>
+              </a:ext>
+            </a:extLst>
+          </p:cNvPr>
+          <p:cNvCxnSpPr>
+            <a:cxnSpLocks noGrp="1" noRot="1" noChangeAspect="1" noMove="1" noResize="1" noEditPoints="1" noAdjustHandles="1" noChangeArrowheads="1" noChangeShapeType="1"/>
+          </p:cNvCxnSpPr>
+          <p:nvPr>
+            <p:extLst>
+              <p:ext uri="{386F3935-93C4-4BCD-93E2-E3B085C9AB24}">
+                <p16:designElem xmlns:p16="http://schemas.microsoft.com/office/powerpoint/2015/main" val="1"/>
+              </p:ext>
+            </p:extLst>
+          </p:nvPr>
+        </p:nvCxnSpPr>
+        <p:spPr>
+          <a:xfrm>
+            <a:off x="4654296" y="2301359"/>
+            <a:ext cx="0" cy="1911350"/>
+          </a:xfrm>
+          <a:prstGeom prst="line">
+            <a:avLst/>
+          </a:prstGeom>
+          <a:ln>
+            <a:solidFill>
+              <a:schemeClr val="tx2"/>
+            </a:solidFill>
+          </a:ln>
+        </p:spPr>
+        <p:style>
+          <a:lnRef idx="1">
+            <a:schemeClr val="accent1"/>
+          </a:lnRef>
+          <a:fillRef idx="0">
+            <a:schemeClr val="accent1"/>
+          </a:fillRef>
+          <a:effectRef idx="0">
+            <a:schemeClr val="accent1"/>
+          </a:effectRef>
+          <a:fontRef idx="minor">
+            <a:schemeClr val="tx1"/>
+          </a:fontRef>
+        </p:style>
+      </p:cxnSp>
+      <p:sp>
+        <p:nvSpPr>
+          <p:cNvPr id="3" name="Content Placeholder 2">
+            <a:extLst>
+              <a:ext uri="{FF2B5EF4-FFF2-40B4-BE49-F238E27FC236}">
+                <a16:creationId xmlns:a16="http://schemas.microsoft.com/office/drawing/2014/main" id="{DC900C16-142C-4B16-82BF-214B435B784E}"/>
+              </a:ext>
+            </a:extLst>
+          </p:cNvPr>
+          <p:cNvSpPr>
+            <a:spLocks noGrp="1"/>
+          </p:cNvSpPr>
+          <p:nvPr>
+            <p:ph idx="1"/>
+          </p:nvPr>
+        </p:nvSpPr>
+        <p:spPr>
+          <a:xfrm>
+            <a:off x="4976029" y="971549"/>
+            <a:ext cx="6291528" cy="4616450"/>
+          </a:xfrm>
+        </p:spPr>
+        <p:txBody>
+          <a:bodyPr anchor="ctr">
+            <a:normAutofit fontScale="92500" lnSpcReduction="20000"/>
+          </a:bodyPr>
+          <a:lstStyle/>
+          <a:p>
+            <a:pPr>
+              <a:lnSpc>
+                <a:spcPct val="110000"/>
+              </a:lnSpc>
+            </a:pPr>
+            <a:r>
+              <a:rPr lang="en-GB" sz="1600" dirty="0">
+                <a:latin typeface="+mj-lt"/>
+              </a:rPr>
+              <a:t>The Initial Entity Relationship Diagram only contains three entities and their relationships as it describes what I would have come up with before creating the UML diagrams and the database. It is noted on the report, and is noted here too, that where there could have been a one-to-many relationship between Friend and Message, there is not one because friends themselves are users, so the relationship between User and Message is representative enough.</a:t>
+            </a:r>
+          </a:p>
+          <a:p>
+            <a:pPr>
+              <a:lnSpc>
+                <a:spcPct val="110000"/>
+              </a:lnSpc>
+            </a:pPr>
+            <a:r>
+              <a:rPr lang="en-GB" sz="1600" dirty="0">
+                <a:latin typeface="+mj-lt"/>
+              </a:rPr>
+              <a:t>The Normalisation shows each step of the process of creating tables from segregating the attributes given. It should be noted that in the Third Normal Form, the Friend table (defined by the single primary key Friend ID) was never included in the database because they were stored as users and hence duplicate data was avoided. (Though it wasn’t on the report, I’d like to note now I only realised after submission that</a:t>
+            </a:r>
+            <a:r>
+              <a:rPr lang="en-GB" sz="1600" dirty="0"/>
+              <a:t> (in the UNF)</a:t>
+            </a:r>
+            <a:r>
+              <a:rPr lang="en-GB" sz="1600" dirty="0">
+                <a:latin typeface="+mj-lt"/>
+              </a:rPr>
+              <a:t> Sender ID and Receiver ID were supposed to be in a repeating group with Date/Time Sent and Text and hence Friend ID, Friend First Name and Friend Last Name were supposed to be in a separate repeating group – it was the only part I forgot to change accordingly).</a:t>
+            </a:r>
+          </a:p>
+        </p:txBody>
+      </p:sp>
+    </p:spTree>
+    <p:extLst>
+      <p:ext uri="{BB962C8B-B14F-4D97-AF65-F5344CB8AC3E}">
+        <p14:creationId xmlns:p14="http://schemas.microsoft.com/office/powerpoint/2010/main" val="3377000901"/>
+      </p:ext>
+    </p:extLst>
+  </p:cSld>
+  <p:clrMapOvr>
+    <a:masterClrMapping/>
+  </p:clrMapOvr>
+</p:sld>
+</file>
+
+<file path=ppt/slides/slide7.xml><?xml version="1.0" encoding="utf-8"?>
+<p:sld xmlns:a="http://schemas.openxmlformats.org/drawingml/2006/main" xmlns:r="http://schemas.openxmlformats.org/officeDocument/2006/relationships" xmlns:p="http://schemas.openxmlformats.org/presentationml/2006/main">
+  <p:cSld>
+    <p:bg>
+      <p:bgPr>
+        <a:blipFill rotWithShape="1">
+          <a:blip r:embed="rId2">
+            <a:duotone>
+              <a:schemeClr val="bg2">
+                <a:shade val="18000"/>
+                <a:satMod val="160000"/>
+                <a:lumMod val="28000"/>
+              </a:schemeClr>
+              <a:schemeClr val="bg2">
+                <a:tint val="95000"/>
+                <a:satMod val="160000"/>
+                <a:lumMod val="116000"/>
+              </a:schemeClr>
+            </a:duotone>
+          </a:blip>
+          <a:stretch/>
+        </a:blipFill>
+        <a:effectLst/>
+      </p:bgPr>
+    </p:bg>
+    <p:spTree>
+      <p:nvGrpSpPr>
+        <p:cNvPr id="1" name=""/>
+        <p:cNvGrpSpPr/>
+        <p:nvPr/>
+      </p:nvGrpSpPr>
+      <p:grpSpPr>
+        <a:xfrm>
+          <a:off x="0" y="0"/>
+          <a:ext cx="0" cy="0"/>
+          <a:chOff x="0" y="0"/>
+          <a:chExt cx="0" cy="0"/>
+        </a:xfrm>
+      </p:grpSpPr>
+      <p:sp useBgFill="1">
+        <p:nvSpPr>
+          <p:cNvPr id="8" name="Rectangle 7">
+            <a:extLst>
+              <a:ext uri="{FF2B5EF4-FFF2-40B4-BE49-F238E27FC236}">
+                <a16:creationId xmlns:a16="http://schemas.microsoft.com/office/drawing/2014/main" id="{BC052280-388E-4151-A1EB-5236D4FCCA28}"/>
+              </a:ext>
+              <a:ext uri="{C183D7F6-B498-43B3-948B-1728B52AA6E4}">
+                <adec:decorative xmlns:adec="http://schemas.microsoft.com/office/drawing/2017/decorative" val="1"/>
+              </a:ext>
+            </a:extLst>
+          </p:cNvPr>
+          <p:cNvSpPr>
+            <a:spLocks noGrp="1" noRot="1" noChangeAspect="1" noMove="1" noResize="1" noEditPoints="1" noAdjustHandles="1" noChangeArrowheads="1" noChangeShapeType="1" noTextEdit="1"/>
+          </p:cNvSpPr>
+          <p:nvPr>
+            <p:extLst>
+              <p:ext uri="{386F3935-93C4-4BCD-93E2-E3B085C9AB24}">
+                <p16:designElem xmlns:p16="http://schemas.microsoft.com/office/powerpoint/2015/main" val="1"/>
+              </p:ext>
+            </p:extLst>
+          </p:nvPr>
+        </p:nvSpPr>
+        <p:spPr>
+          <a:xfrm>
+            <a:off x="0" y="0"/>
+            <a:ext cx="12192000" cy="6858000"/>
+          </a:xfrm>
+          <a:prstGeom prst="rect">
+            <a:avLst/>
+          </a:prstGeom>
+          <a:ln>
+            <a:noFill/>
+          </a:ln>
+        </p:spPr>
+        <p:style>
+          <a:lnRef idx="2">
+            <a:schemeClr val="accent1">
+              <a:shade val="50000"/>
+            </a:schemeClr>
+          </a:lnRef>
+          <a:fillRef idx="1">
+            <a:schemeClr val="accent1"/>
+          </a:fillRef>
+          <a:effectRef idx="0">
+            <a:schemeClr val="accent1"/>
+          </a:effectRef>
+          <a:fontRef idx="minor">
+            <a:schemeClr val="lt1"/>
+          </a:fontRef>
+        </p:style>
+        <p:txBody>
+          <a:bodyPr rtlCol="0" anchor="ctr"/>
+          <a:lstStyle/>
+          <a:p>
+            <a:pPr algn="ctr"/>
+            <a:endParaRPr lang="en-US"/>
+          </a:p>
+        </p:txBody>
+      </p:sp>
+      <p:sp>
+        <p:nvSpPr>
+          <p:cNvPr id="2" name="Title 1">
+            <a:extLst>
+              <a:ext uri="{FF2B5EF4-FFF2-40B4-BE49-F238E27FC236}">
+                <a16:creationId xmlns:a16="http://schemas.microsoft.com/office/drawing/2014/main" id="{86303964-F6FE-4868-9CC2-074D1EF77090}"/>
+              </a:ext>
+            </a:extLst>
+          </p:cNvPr>
+          <p:cNvSpPr>
+            <a:spLocks noGrp="1"/>
+          </p:cNvSpPr>
+          <p:nvPr>
+            <p:ph type="title"/>
+          </p:nvPr>
+        </p:nvSpPr>
+        <p:spPr>
+          <a:xfrm>
+            <a:off x="913796" y="927100"/>
+            <a:ext cx="3418766" cy="4616450"/>
+          </a:xfrm>
+        </p:spPr>
+        <p:txBody>
+          <a:bodyPr>
+            <a:normAutofit/>
+          </a:bodyPr>
+          <a:lstStyle/>
+          <a:p>
+            <a:r>
+              <a:rPr lang="en-GB" dirty="0"/>
+              <a:t>Entity Relations 2</a:t>
+            </a:r>
+          </a:p>
+        </p:txBody>
+      </p:sp>
+      <p:cxnSp>
+        <p:nvCxnSpPr>
+          <p:cNvPr id="10" name="Straight Connector 9">
+            <a:extLst>
+              <a:ext uri="{FF2B5EF4-FFF2-40B4-BE49-F238E27FC236}">
+                <a16:creationId xmlns:a16="http://schemas.microsoft.com/office/drawing/2014/main" id="{744251C3-E720-4363-8AF0-20AD319374F0}"/>
+              </a:ext>
+              <a:ext uri="{C183D7F6-B498-43B3-948B-1728B52AA6E4}">
+                <adec:decorative xmlns:adec="http://schemas.microsoft.com/office/drawing/2017/decorative" val="1"/>
+              </a:ext>
+            </a:extLst>
+          </p:cNvPr>
+          <p:cNvCxnSpPr>
+            <a:cxnSpLocks noGrp="1" noRot="1" noChangeAspect="1" noMove="1" noResize="1" noEditPoints="1" noAdjustHandles="1" noChangeArrowheads="1" noChangeShapeType="1"/>
+          </p:cNvCxnSpPr>
+          <p:nvPr>
+            <p:extLst>
+              <p:ext uri="{386F3935-93C4-4BCD-93E2-E3B085C9AB24}">
+                <p16:designElem xmlns:p16="http://schemas.microsoft.com/office/powerpoint/2015/main" val="1"/>
+              </p:ext>
+            </p:extLst>
+          </p:nvPr>
+        </p:nvCxnSpPr>
+        <p:spPr>
+          <a:xfrm>
+            <a:off x="4654296" y="2301359"/>
+            <a:ext cx="0" cy="1911350"/>
+          </a:xfrm>
+          <a:prstGeom prst="line">
+            <a:avLst/>
+          </a:prstGeom>
+          <a:ln>
+            <a:solidFill>
+              <a:schemeClr val="tx2"/>
+            </a:solidFill>
+          </a:ln>
+        </p:spPr>
+        <p:style>
+          <a:lnRef idx="1">
+            <a:schemeClr val="accent1"/>
+          </a:lnRef>
+          <a:fillRef idx="0">
+            <a:schemeClr val="accent1"/>
+          </a:fillRef>
+          <a:effectRef idx="0">
+            <a:schemeClr val="accent1"/>
+          </a:effectRef>
+          <a:fontRef idx="minor">
+            <a:schemeClr val="tx1"/>
+          </a:fontRef>
+        </p:style>
+      </p:cxnSp>
+      <p:sp>
+        <p:nvSpPr>
+          <p:cNvPr id="3" name="Content Placeholder 2">
+            <a:extLst>
+              <a:ext uri="{FF2B5EF4-FFF2-40B4-BE49-F238E27FC236}">
+                <a16:creationId xmlns:a16="http://schemas.microsoft.com/office/drawing/2014/main" id="{DC900C16-142C-4B16-82BF-214B435B784E}"/>
+              </a:ext>
+            </a:extLst>
+          </p:cNvPr>
+          <p:cNvSpPr>
+            <a:spLocks noGrp="1"/>
+          </p:cNvSpPr>
+          <p:nvPr>
+            <p:ph idx="1"/>
+          </p:nvPr>
+        </p:nvSpPr>
+        <p:spPr>
+          <a:xfrm>
+            <a:off x="4976029" y="971549"/>
+            <a:ext cx="6291528" cy="4616450"/>
+          </a:xfrm>
+        </p:spPr>
+        <p:txBody>
+          <a:bodyPr anchor="ctr">
+            <a:normAutofit/>
+          </a:bodyPr>
+          <a:lstStyle/>
+          <a:p>
+            <a:pPr>
+              <a:lnSpc>
+                <a:spcPct val="110000"/>
+              </a:lnSpc>
+            </a:pPr>
+            <a:r>
+              <a:rPr lang="en-GB" sz="1600" dirty="0">
+                <a:latin typeface="+mj-lt"/>
+              </a:rPr>
+              <a:t>The Final Entity Relationship Diagram describes the relationship between all tables and contains their attributes; it is created at the end of the project to reflect everything else that has been created. As can be seen in the report, it has two more tables than the Initial. As noted in the report, there are two relations between Messages and Users due to the two present foreign keys. Though, in the Normalisation, no foreign keys were used because the process did not involve the creation of any; the foreign keys in the database were created to link the tables as they were linked in the Normalisation (as the Normalisation and database do not directly match up in terms of terminology/the way they are created).</a:t>
+            </a:r>
+          </a:p>
+        </p:txBody>
+      </p:sp>
+    </p:spTree>
+    <p:extLst>
+      <p:ext uri="{BB962C8B-B14F-4D97-AF65-F5344CB8AC3E}">
+        <p14:creationId xmlns:p14="http://schemas.microsoft.com/office/powerpoint/2010/main" val="42386363"/>
+      </p:ext>
+    </p:extLst>
+  </p:cSld>
+  <p:clrMapOvr>
+    <a:masterClrMapping/>
+  </p:clrMapOvr>
+</p:sld>
+</file>
+
+<file path=ppt/slides/slide8.xml><?xml version="1.0" encoding="utf-8"?>
+<p:sld xmlns:a="http://schemas.openxmlformats.org/drawingml/2006/main" xmlns:r="http://schemas.openxmlformats.org/officeDocument/2006/relationships" xmlns:p="http://schemas.openxmlformats.org/presentationml/2006/main">
+  <p:cSld>
+    <p:bg>
+      <p:bgPr>
+        <a:blipFill rotWithShape="1">
+          <a:blip r:embed="rId2">
+            <a:duotone>
+              <a:schemeClr val="bg2">
+                <a:shade val="18000"/>
+                <a:satMod val="160000"/>
+                <a:lumMod val="28000"/>
+              </a:schemeClr>
+              <a:schemeClr val="bg2">
+                <a:tint val="95000"/>
+                <a:satMod val="160000"/>
+                <a:lumMod val="116000"/>
+              </a:schemeClr>
+            </a:duotone>
+          </a:blip>
+          <a:stretch/>
+        </a:blipFill>
+        <a:effectLst/>
+      </p:bgPr>
+    </p:bg>
+    <p:spTree>
+      <p:nvGrpSpPr>
+        <p:cNvPr id="1" name=""/>
+        <p:cNvGrpSpPr/>
+        <p:nvPr/>
+      </p:nvGrpSpPr>
+      <p:grpSpPr>
+        <a:xfrm>
+          <a:off x="0" y="0"/>
+          <a:ext cx="0" cy="0"/>
+          <a:chOff x="0" y="0"/>
+          <a:chExt cx="0" cy="0"/>
+        </a:xfrm>
+      </p:grpSpPr>
+      <p:sp useBgFill="1">
+        <p:nvSpPr>
+          <p:cNvPr id="8" name="Rectangle 7">
+            <a:extLst>
+              <a:ext uri="{FF2B5EF4-FFF2-40B4-BE49-F238E27FC236}">
+                <a16:creationId xmlns:a16="http://schemas.microsoft.com/office/drawing/2014/main" id="{BC052280-388E-4151-A1EB-5236D4FCCA28}"/>
+              </a:ext>
+              <a:ext uri="{C183D7F6-B498-43B3-948B-1728B52AA6E4}">
+                <adec:decorative xmlns:adec="http://schemas.microsoft.com/office/drawing/2017/decorative" val="1"/>
+              </a:ext>
+            </a:extLst>
+          </p:cNvPr>
+          <p:cNvSpPr>
+            <a:spLocks noGrp="1" noRot="1" noChangeAspect="1" noMove="1" noResize="1" noEditPoints="1" noAdjustHandles="1" noChangeArrowheads="1" noChangeShapeType="1" noTextEdit="1"/>
+          </p:cNvSpPr>
+          <p:nvPr>
+            <p:extLst>
+              <p:ext uri="{386F3935-93C4-4BCD-93E2-E3B085C9AB24}">
+                <p16:designElem xmlns:p16="http://schemas.microsoft.com/office/powerpoint/2015/main" val="1"/>
+              </p:ext>
+            </p:extLst>
+          </p:nvPr>
+        </p:nvSpPr>
+        <p:spPr>
+          <a:xfrm>
+            <a:off x="0" y="0"/>
+            <a:ext cx="12192000" cy="6858000"/>
+          </a:xfrm>
+          <a:prstGeom prst="rect">
+            <a:avLst/>
+          </a:prstGeom>
+          <a:ln>
+            <a:noFill/>
+          </a:ln>
+        </p:spPr>
+        <p:style>
+          <a:lnRef idx="2">
+            <a:schemeClr val="accent1">
+              <a:shade val="50000"/>
+            </a:schemeClr>
+          </a:lnRef>
+          <a:fillRef idx="1">
+            <a:schemeClr val="accent1"/>
+          </a:fillRef>
+          <a:effectRef idx="0">
+            <a:schemeClr val="accent1"/>
+          </a:effectRef>
+          <a:fontRef idx="minor">
+            <a:schemeClr val="lt1"/>
+          </a:fontRef>
+        </p:style>
+        <p:txBody>
+          <a:bodyPr rtlCol="0" anchor="ctr"/>
+          <a:lstStyle/>
+          <a:p>
+            <a:pPr algn="ctr"/>
+            <a:endParaRPr lang="en-US"/>
+          </a:p>
+        </p:txBody>
+      </p:sp>
+      <p:sp>
+        <p:nvSpPr>
+          <p:cNvPr id="2" name="Title 1">
+            <a:extLst>
+              <a:ext uri="{FF2B5EF4-FFF2-40B4-BE49-F238E27FC236}">
+                <a16:creationId xmlns:a16="http://schemas.microsoft.com/office/drawing/2014/main" id="{86303964-F6FE-4868-9CC2-074D1EF77090}"/>
+              </a:ext>
+            </a:extLst>
+          </p:cNvPr>
+          <p:cNvSpPr>
+            <a:spLocks noGrp="1"/>
+          </p:cNvSpPr>
+          <p:nvPr>
+            <p:ph type="title"/>
+          </p:nvPr>
+        </p:nvSpPr>
+        <p:spPr>
+          <a:xfrm>
+            <a:off x="913796" y="927100"/>
+            <a:ext cx="3418766" cy="4616450"/>
+          </a:xfrm>
+        </p:spPr>
+        <p:txBody>
+          <a:bodyPr>
+            <a:normAutofit/>
+          </a:bodyPr>
+          <a:lstStyle/>
+          <a:p>
+            <a:r>
+              <a:rPr lang="en-GB"/>
+              <a:t>SQL Queries 1</a:t>
+            </a:r>
+            <a:endParaRPr lang="en-GB" dirty="0"/>
+          </a:p>
+        </p:txBody>
+      </p:sp>
+      <p:cxnSp>
+        <p:nvCxnSpPr>
+          <p:cNvPr id="10" name="Straight Connector 9">
+            <a:extLst>
+              <a:ext uri="{FF2B5EF4-FFF2-40B4-BE49-F238E27FC236}">
+                <a16:creationId xmlns:a16="http://schemas.microsoft.com/office/drawing/2014/main" id="{744251C3-E720-4363-8AF0-20AD319374F0}"/>
+              </a:ext>
+              <a:ext uri="{C183D7F6-B498-43B3-948B-1728B52AA6E4}">
+                <adec:decorative xmlns:adec="http://schemas.microsoft.com/office/drawing/2017/decorative" val="1"/>
+              </a:ext>
+            </a:extLst>
+          </p:cNvPr>
+          <p:cNvCxnSpPr>
+            <a:cxnSpLocks noGrp="1" noRot="1" noChangeAspect="1" noMove="1" noResize="1" noEditPoints="1" noAdjustHandles="1" noChangeArrowheads="1" noChangeShapeType="1"/>
+          </p:cNvCxnSpPr>
+          <p:nvPr>
+            <p:extLst>
+              <p:ext uri="{386F3935-93C4-4BCD-93E2-E3B085C9AB24}">
+                <p16:designElem xmlns:p16="http://schemas.microsoft.com/office/powerpoint/2015/main" val="1"/>
+              </p:ext>
+            </p:extLst>
+          </p:nvPr>
+        </p:nvCxnSpPr>
+        <p:spPr>
+          <a:xfrm>
+            <a:off x="4654296" y="2301359"/>
+            <a:ext cx="0" cy="1911350"/>
+          </a:xfrm>
+          <a:prstGeom prst="line">
+            <a:avLst/>
+          </a:prstGeom>
+          <a:ln>
+            <a:solidFill>
+              <a:schemeClr val="tx2"/>
+            </a:solidFill>
+          </a:ln>
+        </p:spPr>
+        <p:style>
+          <a:lnRef idx="1">
+            <a:schemeClr val="accent1"/>
+          </a:lnRef>
+          <a:fillRef idx="0">
+            <a:schemeClr val="accent1"/>
+          </a:fillRef>
+          <a:effectRef idx="0">
+            <a:schemeClr val="accent1"/>
+          </a:effectRef>
+          <a:fontRef idx="minor">
+            <a:schemeClr val="tx1"/>
+          </a:fontRef>
+        </p:style>
+      </p:cxnSp>
+      <p:sp>
+        <p:nvSpPr>
+          <p:cNvPr id="3" name="Content Placeholder 2">
+            <a:extLst>
+              <a:ext uri="{FF2B5EF4-FFF2-40B4-BE49-F238E27FC236}">
+                <a16:creationId xmlns:a16="http://schemas.microsoft.com/office/drawing/2014/main" id="{DC900C16-142C-4B16-82BF-214B435B784E}"/>
+              </a:ext>
+            </a:extLst>
+          </p:cNvPr>
+          <p:cNvSpPr>
+            <a:spLocks noGrp="1"/>
+          </p:cNvSpPr>
+          <p:nvPr>
+            <p:ph idx="1"/>
+          </p:nvPr>
+        </p:nvSpPr>
+        <p:spPr>
+          <a:xfrm>
+            <a:off x="4976029" y="971549"/>
+            <a:ext cx="6291528" cy="4616450"/>
+          </a:xfrm>
+        </p:spPr>
+        <p:txBody>
+          <a:bodyPr anchor="ctr">
+            <a:normAutofit/>
+          </a:bodyPr>
+          <a:lstStyle/>
+          <a:p>
+            <a:pPr>
+              <a:lnSpc>
+                <a:spcPct val="110000"/>
+              </a:lnSpc>
+            </a:pPr>
+            <a:endParaRPr lang="en-GB" sz="1600" dirty="0">
+              <a:latin typeface="+mj-lt"/>
+            </a:endParaRPr>
+          </a:p>
+        </p:txBody>
+      </p:sp>
+    </p:spTree>
+    <p:extLst>
+      <p:ext uri="{BB962C8B-B14F-4D97-AF65-F5344CB8AC3E}">
+        <p14:creationId xmlns:p14="http://schemas.microsoft.com/office/powerpoint/2010/main" val="4136533379"/>
       </p:ext>
     </p:extLst>
   </p:cSld>

--- a/ISAD157 Presentation.pptx
+++ b/ISAD157 Presentation.pptx
@@ -4,6 +4,9 @@
   <p:sldMasterIdLst>
     <p:sldMasterId id="2147483678" r:id="rId1"/>
   </p:sldMasterIdLst>
+  <p:notesMasterIdLst>
+    <p:notesMasterId r:id="rId13"/>
+  </p:notesMasterIdLst>
   <p:sldIdLst>
     <p:sldId id="256" r:id="rId2"/>
     <p:sldId id="257" r:id="rId3"/>
@@ -13,6 +16,9 @@
     <p:sldId id="261" r:id="rId7"/>
     <p:sldId id="262" r:id="rId8"/>
     <p:sldId id="263" r:id="rId9"/>
+    <p:sldId id="264" r:id="rId10"/>
+    <p:sldId id="265" r:id="rId11"/>
+    <p:sldId id="266" r:id="rId12"/>
   </p:sldIdLst>
   <p:sldSz cx="12192000" cy="6858000"/>
   <p:notesSz cx="6858000" cy="9144000"/>
@@ -119,6 +125,470 @@
 </p:presentation>
 </file>
 
+<file path=ppt/notesMasters/notesMaster1.xml><?xml version="1.0" encoding="utf-8"?>
+<p:notesMaster xmlns:a="http://schemas.openxmlformats.org/drawingml/2006/main" xmlns:r="http://schemas.openxmlformats.org/officeDocument/2006/relationships" xmlns:p="http://schemas.openxmlformats.org/presentationml/2006/main">
+  <p:cSld>
+    <p:bg>
+      <p:bgRef idx="1001">
+        <a:schemeClr val="bg1"/>
+      </p:bgRef>
+    </p:bg>
+    <p:spTree>
+      <p:nvGrpSpPr>
+        <p:cNvPr id="1" name=""/>
+        <p:cNvGrpSpPr/>
+        <p:nvPr/>
+      </p:nvGrpSpPr>
+      <p:grpSpPr>
+        <a:xfrm>
+          <a:off x="0" y="0"/>
+          <a:ext cx="0" cy="0"/>
+          <a:chOff x="0" y="0"/>
+          <a:chExt cx="0" cy="0"/>
+        </a:xfrm>
+      </p:grpSpPr>
+      <p:sp>
+        <p:nvSpPr>
+          <p:cNvPr id="2" name="Header Placeholder 1"/>
+          <p:cNvSpPr>
+            <a:spLocks noGrp="1"/>
+          </p:cNvSpPr>
+          <p:nvPr>
+            <p:ph type="hdr" sz="quarter"/>
+          </p:nvPr>
+        </p:nvSpPr>
+        <p:spPr>
+          <a:xfrm>
+            <a:off x="0" y="0"/>
+            <a:ext cx="2971800" cy="458788"/>
+          </a:xfrm>
+          <a:prstGeom prst="rect">
+            <a:avLst/>
+          </a:prstGeom>
+        </p:spPr>
+        <p:txBody>
+          <a:bodyPr vert="horz" lIns="91440" tIns="45720" rIns="91440" bIns="45720" rtlCol="0"/>
+          <a:lstStyle>
+            <a:lvl1pPr algn="l">
+              <a:defRPr sz="1200"/>
+            </a:lvl1pPr>
+          </a:lstStyle>
+          <a:p>
+            <a:endParaRPr lang="en-GB"/>
+          </a:p>
+        </p:txBody>
+      </p:sp>
+      <p:sp>
+        <p:nvSpPr>
+          <p:cNvPr id="3" name="Date Placeholder 2"/>
+          <p:cNvSpPr>
+            <a:spLocks noGrp="1"/>
+          </p:cNvSpPr>
+          <p:nvPr>
+            <p:ph type="dt" idx="1"/>
+          </p:nvPr>
+        </p:nvSpPr>
+        <p:spPr>
+          <a:xfrm>
+            <a:off x="3884613" y="0"/>
+            <a:ext cx="2971800" cy="458788"/>
+          </a:xfrm>
+          <a:prstGeom prst="rect">
+            <a:avLst/>
+          </a:prstGeom>
+        </p:spPr>
+        <p:txBody>
+          <a:bodyPr vert="horz" lIns="91440" tIns="45720" rIns="91440" bIns="45720" rtlCol="0"/>
+          <a:lstStyle>
+            <a:lvl1pPr algn="r">
+              <a:defRPr sz="1200"/>
+            </a:lvl1pPr>
+          </a:lstStyle>
+          <a:p>
+            <a:fld id="{69053C99-FF40-4821-8406-94B6EE439E81}" type="datetimeFigureOut">
+              <a:rPr lang="en-GB" smtClean="0"/>
+              <a:t>18/05/2020</a:t>
+            </a:fld>
+            <a:endParaRPr lang="en-GB"/>
+          </a:p>
+        </p:txBody>
+      </p:sp>
+      <p:sp>
+        <p:nvSpPr>
+          <p:cNvPr id="4" name="Slide Image Placeholder 3"/>
+          <p:cNvSpPr>
+            <a:spLocks noGrp="1" noRot="1" noChangeAspect="1"/>
+          </p:cNvSpPr>
+          <p:nvPr>
+            <p:ph type="sldImg" idx="2"/>
+          </p:nvPr>
+        </p:nvSpPr>
+        <p:spPr>
+          <a:xfrm>
+            <a:off x="685800" y="1143000"/>
+            <a:ext cx="5486400" cy="3086100"/>
+          </a:xfrm>
+          <a:prstGeom prst="rect">
+            <a:avLst/>
+          </a:prstGeom>
+          <a:noFill/>
+          <a:ln w="12700">
+            <a:solidFill>
+              <a:prstClr val="black"/>
+            </a:solidFill>
+          </a:ln>
+        </p:spPr>
+        <p:txBody>
+          <a:bodyPr vert="horz" lIns="91440" tIns="45720" rIns="91440" bIns="45720" rtlCol="0" anchor="ctr"/>
+          <a:lstStyle/>
+          <a:p>
+            <a:endParaRPr lang="en-GB"/>
+          </a:p>
+        </p:txBody>
+      </p:sp>
+      <p:sp>
+        <p:nvSpPr>
+          <p:cNvPr id="5" name="Notes Placeholder 4"/>
+          <p:cNvSpPr>
+            <a:spLocks noGrp="1"/>
+          </p:cNvSpPr>
+          <p:nvPr>
+            <p:ph type="body" sz="quarter" idx="3"/>
+          </p:nvPr>
+        </p:nvSpPr>
+        <p:spPr>
+          <a:xfrm>
+            <a:off x="685800" y="4400550"/>
+            <a:ext cx="5486400" cy="3600450"/>
+          </a:xfrm>
+          <a:prstGeom prst="rect">
+            <a:avLst/>
+          </a:prstGeom>
+        </p:spPr>
+        <p:txBody>
+          <a:bodyPr vert="horz" lIns="91440" tIns="45720" rIns="91440" bIns="45720" rtlCol="0"/>
+          <a:lstStyle/>
+          <a:p>
+            <a:pPr lvl="0"/>
+            <a:r>
+              <a:rPr lang="en-US"/>
+              <a:t>Click to edit Master text styles</a:t>
+            </a:r>
+          </a:p>
+          <a:p>
+            <a:pPr lvl="1"/>
+            <a:r>
+              <a:rPr lang="en-US"/>
+              <a:t>Second level</a:t>
+            </a:r>
+          </a:p>
+          <a:p>
+            <a:pPr lvl="2"/>
+            <a:r>
+              <a:rPr lang="en-US"/>
+              <a:t>Third level</a:t>
+            </a:r>
+          </a:p>
+          <a:p>
+            <a:pPr lvl="3"/>
+            <a:r>
+              <a:rPr lang="en-US"/>
+              <a:t>Fourth level</a:t>
+            </a:r>
+          </a:p>
+          <a:p>
+            <a:pPr lvl="4"/>
+            <a:r>
+              <a:rPr lang="en-US"/>
+              <a:t>Fifth level</a:t>
+            </a:r>
+            <a:endParaRPr lang="en-GB"/>
+          </a:p>
+        </p:txBody>
+      </p:sp>
+      <p:sp>
+        <p:nvSpPr>
+          <p:cNvPr id="6" name="Footer Placeholder 5"/>
+          <p:cNvSpPr>
+            <a:spLocks noGrp="1"/>
+          </p:cNvSpPr>
+          <p:nvPr>
+            <p:ph type="ftr" sz="quarter" idx="4"/>
+          </p:nvPr>
+        </p:nvSpPr>
+        <p:spPr>
+          <a:xfrm>
+            <a:off x="0" y="8685213"/>
+            <a:ext cx="2971800" cy="458787"/>
+          </a:xfrm>
+          <a:prstGeom prst="rect">
+            <a:avLst/>
+          </a:prstGeom>
+        </p:spPr>
+        <p:txBody>
+          <a:bodyPr vert="horz" lIns="91440" tIns="45720" rIns="91440" bIns="45720" rtlCol="0" anchor="b"/>
+          <a:lstStyle>
+            <a:lvl1pPr algn="l">
+              <a:defRPr sz="1200"/>
+            </a:lvl1pPr>
+          </a:lstStyle>
+          <a:p>
+            <a:endParaRPr lang="en-GB"/>
+          </a:p>
+        </p:txBody>
+      </p:sp>
+      <p:sp>
+        <p:nvSpPr>
+          <p:cNvPr id="7" name="Slide Number Placeholder 6"/>
+          <p:cNvSpPr>
+            <a:spLocks noGrp="1"/>
+          </p:cNvSpPr>
+          <p:nvPr>
+            <p:ph type="sldNum" sz="quarter" idx="5"/>
+          </p:nvPr>
+        </p:nvSpPr>
+        <p:spPr>
+          <a:xfrm>
+            <a:off x="3884613" y="8685213"/>
+            <a:ext cx="2971800" cy="458787"/>
+          </a:xfrm>
+          <a:prstGeom prst="rect">
+            <a:avLst/>
+          </a:prstGeom>
+        </p:spPr>
+        <p:txBody>
+          <a:bodyPr vert="horz" lIns="91440" tIns="45720" rIns="91440" bIns="45720" rtlCol="0" anchor="b"/>
+          <a:lstStyle>
+            <a:lvl1pPr algn="r">
+              <a:defRPr sz="1200"/>
+            </a:lvl1pPr>
+          </a:lstStyle>
+          <a:p>
+            <a:fld id="{A6F5174F-1427-4CD3-AA06-DCCA46A03E3F}" type="slidenum">
+              <a:rPr lang="en-GB" smtClean="0"/>
+              <a:t>‹#›</a:t>
+            </a:fld>
+            <a:endParaRPr lang="en-GB"/>
+          </a:p>
+        </p:txBody>
+      </p:sp>
+    </p:spTree>
+    <p:extLst>
+      <p:ext uri="{BB962C8B-B14F-4D97-AF65-F5344CB8AC3E}">
+        <p14:creationId xmlns:p14="http://schemas.microsoft.com/office/powerpoint/2010/main" val="747749772"/>
+      </p:ext>
+    </p:extLst>
+  </p:cSld>
+  <p:clrMap bg1="lt1" tx1="dk1" bg2="lt2" tx2="dk2" accent1="accent1" accent2="accent2" accent3="accent3" accent4="accent4" accent5="accent5" accent6="accent6" hlink="hlink" folHlink="folHlink"/>
+  <p:notesStyle>
+    <a:lvl1pPr marL="0" algn="l" defTabSz="914400" rtl="0" eaLnBrk="1" latinLnBrk="0" hangingPunct="1">
+      <a:defRPr sz="1200" kern="1200">
+        <a:solidFill>
+          <a:schemeClr val="tx1"/>
+        </a:solidFill>
+        <a:latin typeface="+mn-lt"/>
+        <a:ea typeface="+mn-ea"/>
+        <a:cs typeface="+mn-cs"/>
+      </a:defRPr>
+    </a:lvl1pPr>
+    <a:lvl2pPr marL="457200" algn="l" defTabSz="914400" rtl="0" eaLnBrk="1" latinLnBrk="0" hangingPunct="1">
+      <a:defRPr sz="1200" kern="1200">
+        <a:solidFill>
+          <a:schemeClr val="tx1"/>
+        </a:solidFill>
+        <a:latin typeface="+mn-lt"/>
+        <a:ea typeface="+mn-ea"/>
+        <a:cs typeface="+mn-cs"/>
+      </a:defRPr>
+    </a:lvl2pPr>
+    <a:lvl3pPr marL="914400" algn="l" defTabSz="914400" rtl="0" eaLnBrk="1" latinLnBrk="0" hangingPunct="1">
+      <a:defRPr sz="1200" kern="1200">
+        <a:solidFill>
+          <a:schemeClr val="tx1"/>
+        </a:solidFill>
+        <a:latin typeface="+mn-lt"/>
+        <a:ea typeface="+mn-ea"/>
+        <a:cs typeface="+mn-cs"/>
+      </a:defRPr>
+    </a:lvl3pPr>
+    <a:lvl4pPr marL="1371600" algn="l" defTabSz="914400" rtl="0" eaLnBrk="1" latinLnBrk="0" hangingPunct="1">
+      <a:defRPr sz="1200" kern="1200">
+        <a:solidFill>
+          <a:schemeClr val="tx1"/>
+        </a:solidFill>
+        <a:latin typeface="+mn-lt"/>
+        <a:ea typeface="+mn-ea"/>
+        <a:cs typeface="+mn-cs"/>
+      </a:defRPr>
+    </a:lvl4pPr>
+    <a:lvl5pPr marL="1828800" algn="l" defTabSz="914400" rtl="0" eaLnBrk="1" latinLnBrk="0" hangingPunct="1">
+      <a:defRPr sz="1200" kern="1200">
+        <a:solidFill>
+          <a:schemeClr val="tx1"/>
+        </a:solidFill>
+        <a:latin typeface="+mn-lt"/>
+        <a:ea typeface="+mn-ea"/>
+        <a:cs typeface="+mn-cs"/>
+      </a:defRPr>
+    </a:lvl5pPr>
+    <a:lvl6pPr marL="2286000" algn="l" defTabSz="914400" rtl="0" eaLnBrk="1" latinLnBrk="0" hangingPunct="1">
+      <a:defRPr sz="1200" kern="1200">
+        <a:solidFill>
+          <a:schemeClr val="tx1"/>
+        </a:solidFill>
+        <a:latin typeface="+mn-lt"/>
+        <a:ea typeface="+mn-ea"/>
+        <a:cs typeface="+mn-cs"/>
+      </a:defRPr>
+    </a:lvl6pPr>
+    <a:lvl7pPr marL="2743200" algn="l" defTabSz="914400" rtl="0" eaLnBrk="1" latinLnBrk="0" hangingPunct="1">
+      <a:defRPr sz="1200" kern="1200">
+        <a:solidFill>
+          <a:schemeClr val="tx1"/>
+        </a:solidFill>
+        <a:latin typeface="+mn-lt"/>
+        <a:ea typeface="+mn-ea"/>
+        <a:cs typeface="+mn-cs"/>
+      </a:defRPr>
+    </a:lvl7pPr>
+    <a:lvl8pPr marL="3200400" algn="l" defTabSz="914400" rtl="0" eaLnBrk="1" latinLnBrk="0" hangingPunct="1">
+      <a:defRPr sz="1200" kern="1200">
+        <a:solidFill>
+          <a:schemeClr val="tx1"/>
+        </a:solidFill>
+        <a:latin typeface="+mn-lt"/>
+        <a:ea typeface="+mn-ea"/>
+        <a:cs typeface="+mn-cs"/>
+      </a:defRPr>
+    </a:lvl8pPr>
+    <a:lvl9pPr marL="3657600" algn="l" defTabSz="914400" rtl="0" eaLnBrk="1" latinLnBrk="0" hangingPunct="1">
+      <a:defRPr sz="1200" kern="1200">
+        <a:solidFill>
+          <a:schemeClr val="tx1"/>
+        </a:solidFill>
+        <a:latin typeface="+mn-lt"/>
+        <a:ea typeface="+mn-ea"/>
+        <a:cs typeface="+mn-cs"/>
+      </a:defRPr>
+    </a:lvl9pPr>
+  </p:notesStyle>
+</p:notesMaster>
+</file>
+
+<file path=ppt/notesSlides/notesSlide1.xml><?xml version="1.0" encoding="utf-8"?>
+<p:notes xmlns:a="http://schemas.openxmlformats.org/drawingml/2006/main" xmlns:r="http://schemas.openxmlformats.org/officeDocument/2006/relationships" xmlns:p="http://schemas.openxmlformats.org/presentationml/2006/main">
+  <p:cSld>
+    <p:spTree>
+      <p:nvGrpSpPr>
+        <p:cNvPr id="1" name=""/>
+        <p:cNvGrpSpPr/>
+        <p:nvPr/>
+      </p:nvGrpSpPr>
+      <p:grpSpPr>
+        <a:xfrm>
+          <a:off x="0" y="0"/>
+          <a:ext cx="0" cy="0"/>
+          <a:chOff x="0" y="0"/>
+          <a:chExt cx="0" cy="0"/>
+        </a:xfrm>
+      </p:grpSpPr>
+      <p:sp>
+        <p:nvSpPr>
+          <p:cNvPr id="2" name="Slide Image Placeholder 1"/>
+          <p:cNvSpPr>
+            <a:spLocks noGrp="1" noRot="1" noChangeAspect="1"/>
+          </p:cNvSpPr>
+          <p:nvPr>
+            <p:ph type="sldImg"/>
+          </p:nvPr>
+        </p:nvSpPr>
+        <p:spPr/>
+      </p:sp>
+      <p:sp>
+        <p:nvSpPr>
+          <p:cNvPr id="3" name="Notes Placeholder 2"/>
+          <p:cNvSpPr>
+            <a:spLocks noGrp="1"/>
+          </p:cNvSpPr>
+          <p:nvPr>
+            <p:ph type="body" idx="1"/>
+          </p:nvPr>
+        </p:nvSpPr>
+        <p:spPr/>
+        <p:txBody>
+          <a:bodyPr/>
+          <a:lstStyle/>
+          <a:p>
+            <a:pPr marL="0" marR="0" lvl="0" indent="0" algn="l" defTabSz="914400" rtl="0" eaLnBrk="1" fontAlgn="auto" latinLnBrk="0" hangingPunct="1">
+              <a:lnSpc>
+                <a:spcPct val="100000"/>
+              </a:lnSpc>
+              <a:spcBef>
+                <a:spcPts val="0"/>
+              </a:spcBef>
+              <a:spcAft>
+                <a:spcPts val="0"/>
+              </a:spcAft>
+              <a:buClrTx/>
+              <a:buSzTx/>
+              <a:buFontTx/>
+              <a:buNone/>
+              <a:tabLst/>
+              <a:defRPr/>
+            </a:pPr>
+            <a:r>
+              <a:rPr lang="en-GB" sz="1200" kern="1200" dirty="0">
+                <a:solidFill>
+                  <a:schemeClr val="tx1"/>
+                </a:solidFill>
+                <a:latin typeface="+mn-lt"/>
+                <a:ea typeface="+mn-ea"/>
+                <a:cs typeface="+mn-cs"/>
+              </a:rPr>
+              <a:t>Overall, the diagrams that have been drawn are arguably quite clear, but while they may help somewhat with the creation of the code, I’d argue that I saw little connection between them and the coding and database, meaning they didn’t necessarily aid me as much as they could have.</a:t>
+            </a:r>
+          </a:p>
+          <a:p>
+            <a:endParaRPr lang="en-GB" dirty="0"/>
+          </a:p>
+        </p:txBody>
+      </p:sp>
+      <p:sp>
+        <p:nvSpPr>
+          <p:cNvPr id="4" name="Slide Number Placeholder 3"/>
+          <p:cNvSpPr>
+            <a:spLocks noGrp="1"/>
+          </p:cNvSpPr>
+          <p:nvPr>
+            <p:ph type="sldNum" sz="quarter" idx="5"/>
+          </p:nvPr>
+        </p:nvSpPr>
+        <p:spPr/>
+        <p:txBody>
+          <a:bodyPr/>
+          <a:lstStyle/>
+          <a:p>
+            <a:fld id="{A6F5174F-1427-4CD3-AA06-DCCA46A03E3F}" type="slidenum">
+              <a:rPr lang="en-GB" smtClean="0"/>
+              <a:t>11</a:t>
+            </a:fld>
+            <a:endParaRPr lang="en-GB"/>
+          </a:p>
+        </p:txBody>
+      </p:sp>
+    </p:spTree>
+    <p:extLst>
+      <p:ext uri="{BB962C8B-B14F-4D97-AF65-F5344CB8AC3E}">
+        <p14:creationId xmlns:p14="http://schemas.microsoft.com/office/powerpoint/2010/main" val="2659005204"/>
+      </p:ext>
+    </p:extLst>
+  </p:cSld>
+  <p:clrMapOvr>
+    <a:masterClrMapping/>
+  </p:clrMapOvr>
+</p:notes>
+</file>
+
 <file path=ppt/slideLayouts/slideLayout1.xml><?xml version="1.0" encoding="utf-8"?>
 <p:sldLayout xmlns:a="http://schemas.openxmlformats.org/drawingml/2006/main" xmlns:r="http://schemas.openxmlformats.org/officeDocument/2006/relationships" xmlns:p="http://schemas.openxmlformats.org/presentationml/2006/main" type="title" preserve="1">
   <p:cSld name="Title Slide">
@@ -252,7 +722,7 @@
           <a:p>
             <a:fld id="{2336B8E1-41B0-4207-8C6C-B68865C8DFB6}" type="datetimeFigureOut">
               <a:rPr lang="en-GB" smtClean="0"/>
-              <a:t>17/05/2020</a:t>
+              <a:t>18/05/2020</a:t>
             </a:fld>
             <a:endParaRPr lang="en-GB"/>
           </a:p>
@@ -539,7 +1009,7 @@
           <a:p>
             <a:fld id="{2336B8E1-41B0-4207-8C6C-B68865C8DFB6}" type="datetimeFigureOut">
               <a:rPr lang="en-GB" smtClean="0"/>
-              <a:t>17/05/2020</a:t>
+              <a:t>18/05/2020</a:t>
             </a:fld>
             <a:endParaRPr lang="en-GB"/>
           </a:p>
@@ -731,7 +1201,7 @@
           <a:p>
             <a:fld id="{2336B8E1-41B0-4207-8C6C-B68865C8DFB6}" type="datetimeFigureOut">
               <a:rPr lang="en-GB" smtClean="0"/>
-              <a:t>17/05/2020</a:t>
+              <a:t>18/05/2020</a:t>
             </a:fld>
             <a:endParaRPr lang="en-GB"/>
           </a:p>
@@ -992,7 +1462,7 @@
           <a:p>
             <a:fld id="{2336B8E1-41B0-4207-8C6C-B68865C8DFB6}" type="datetimeFigureOut">
               <a:rPr lang="en-GB" smtClean="0"/>
-              <a:t>17/05/2020</a:t>
+              <a:t>18/05/2020</a:t>
             </a:fld>
             <a:endParaRPr lang="en-GB"/>
           </a:p>
@@ -1416,7 +1886,7 @@
           <a:p>
             <a:fld id="{2336B8E1-41B0-4207-8C6C-B68865C8DFB6}" type="datetimeFigureOut">
               <a:rPr lang="en-GB" smtClean="0"/>
-              <a:t>17/05/2020</a:t>
+              <a:t>18/05/2020</a:t>
             </a:fld>
             <a:endParaRPr lang="en-GB"/>
           </a:p>
@@ -1962,7 +2432,7 @@
           <a:p>
             <a:fld id="{2336B8E1-41B0-4207-8C6C-B68865C8DFB6}" type="datetimeFigureOut">
               <a:rPr lang="en-GB" smtClean="0"/>
-              <a:t>17/05/2020</a:t>
+              <a:t>18/05/2020</a:t>
             </a:fld>
             <a:endParaRPr lang="en-GB"/>
           </a:p>
@@ -2802,7 +3272,7 @@
           <a:p>
             <a:fld id="{2336B8E1-41B0-4207-8C6C-B68865C8DFB6}" type="datetimeFigureOut">
               <a:rPr lang="en-GB" smtClean="0"/>
-              <a:t>17/05/2020</a:t>
+              <a:t>18/05/2020</a:t>
             </a:fld>
             <a:endParaRPr lang="en-GB"/>
           </a:p>
@@ -2972,7 +3442,7 @@
           <a:p>
             <a:fld id="{2336B8E1-41B0-4207-8C6C-B68865C8DFB6}" type="datetimeFigureOut">
               <a:rPr lang="en-GB" smtClean="0"/>
-              <a:t>17/05/2020</a:t>
+              <a:t>18/05/2020</a:t>
             </a:fld>
             <a:endParaRPr lang="en-GB"/>
           </a:p>
@@ -3156,7 +3626,7 @@
           <a:p>
             <a:fld id="{2336B8E1-41B0-4207-8C6C-B68865C8DFB6}" type="datetimeFigureOut">
               <a:rPr lang="en-GB" smtClean="0"/>
-              <a:t>17/05/2020</a:t>
+              <a:t>18/05/2020</a:t>
             </a:fld>
             <a:endParaRPr lang="en-GB"/>
           </a:p>
@@ -3326,7 +3796,7 @@
           <a:p>
             <a:fld id="{2336B8E1-41B0-4207-8C6C-B68865C8DFB6}" type="datetimeFigureOut">
               <a:rPr lang="en-GB" smtClean="0"/>
-              <a:t>17/05/2020</a:t>
+              <a:t>18/05/2020</a:t>
             </a:fld>
             <a:endParaRPr lang="en-GB"/>
           </a:p>
@@ -3574,7 +4044,7 @@
           <a:p>
             <a:fld id="{2336B8E1-41B0-4207-8C6C-B68865C8DFB6}" type="datetimeFigureOut">
               <a:rPr lang="en-GB" smtClean="0"/>
-              <a:t>17/05/2020</a:t>
+              <a:t>18/05/2020</a:t>
             </a:fld>
             <a:endParaRPr lang="en-GB"/>
           </a:p>
@@ -3811,7 +4281,7 @@
           <a:p>
             <a:fld id="{2336B8E1-41B0-4207-8C6C-B68865C8DFB6}" type="datetimeFigureOut">
               <a:rPr lang="en-GB" smtClean="0"/>
-              <a:t>17/05/2020</a:t>
+              <a:t>18/05/2020</a:t>
             </a:fld>
             <a:endParaRPr lang="en-GB"/>
           </a:p>
@@ -4184,7 +4654,7 @@
           <a:p>
             <a:fld id="{2336B8E1-41B0-4207-8C6C-B68865C8DFB6}" type="datetimeFigureOut">
               <a:rPr lang="en-GB" smtClean="0"/>
-              <a:t>17/05/2020</a:t>
+              <a:t>18/05/2020</a:t>
             </a:fld>
             <a:endParaRPr lang="en-GB"/>
           </a:p>
@@ -4302,7 +4772,7 @@
           <a:p>
             <a:fld id="{2336B8E1-41B0-4207-8C6C-B68865C8DFB6}" type="datetimeFigureOut">
               <a:rPr lang="en-GB" smtClean="0"/>
-              <a:t>17/05/2020</a:t>
+              <a:t>18/05/2020</a:t>
             </a:fld>
             <a:endParaRPr lang="en-GB"/>
           </a:p>
@@ -4397,7 +4867,7 @@
           <a:p>
             <a:fld id="{2336B8E1-41B0-4207-8C6C-B68865C8DFB6}" type="datetimeFigureOut">
               <a:rPr lang="en-GB" smtClean="0"/>
-              <a:t>17/05/2020</a:t>
+              <a:t>18/05/2020</a:t>
             </a:fld>
             <a:endParaRPr lang="en-GB"/>
           </a:p>
@@ -4648,7 +5118,7 @@
           <a:p>
             <a:fld id="{2336B8E1-41B0-4207-8C6C-B68865C8DFB6}" type="datetimeFigureOut">
               <a:rPr lang="en-GB" smtClean="0"/>
-              <a:t>17/05/2020</a:t>
+              <a:t>18/05/2020</a:t>
             </a:fld>
             <a:endParaRPr lang="en-GB"/>
           </a:p>
@@ -4935,7 +5405,7 @@
           <a:p>
             <a:fld id="{2336B8E1-41B0-4207-8C6C-B68865C8DFB6}" type="datetimeFigureOut">
               <a:rPr lang="en-GB" smtClean="0"/>
-              <a:t>17/05/2020</a:t>
+              <a:t>18/05/2020</a:t>
             </a:fld>
             <a:endParaRPr lang="en-GB"/>
           </a:p>
@@ -5148,7 +5618,7 @@
           <a:p>
             <a:fld id="{2336B8E1-41B0-4207-8C6C-B68865C8DFB6}" type="datetimeFigureOut">
               <a:rPr lang="en-GB" smtClean="0"/>
-              <a:t>17/05/2020</a:t>
+              <a:t>18/05/2020</a:t>
             </a:fld>
             <a:endParaRPr lang="en-GB"/>
           </a:p>
@@ -5702,6 +6172,549 @@
 </p:sld>
 </file>
 
+<file path=ppt/slides/slide10.xml><?xml version="1.0" encoding="utf-8"?>
+<p:sld xmlns:a="http://schemas.openxmlformats.org/drawingml/2006/main" xmlns:r="http://schemas.openxmlformats.org/officeDocument/2006/relationships" xmlns:p="http://schemas.openxmlformats.org/presentationml/2006/main">
+  <p:cSld>
+    <p:bg>
+      <p:bgPr>
+        <a:blipFill rotWithShape="1">
+          <a:blip r:embed="rId2">
+            <a:duotone>
+              <a:schemeClr val="bg2">
+                <a:shade val="18000"/>
+                <a:satMod val="160000"/>
+                <a:lumMod val="28000"/>
+              </a:schemeClr>
+              <a:schemeClr val="bg2">
+                <a:tint val="95000"/>
+                <a:satMod val="160000"/>
+                <a:lumMod val="116000"/>
+              </a:schemeClr>
+            </a:duotone>
+          </a:blip>
+          <a:stretch/>
+        </a:blipFill>
+        <a:effectLst/>
+      </p:bgPr>
+    </p:bg>
+    <p:spTree>
+      <p:nvGrpSpPr>
+        <p:cNvPr id="1" name=""/>
+        <p:cNvGrpSpPr/>
+        <p:nvPr/>
+      </p:nvGrpSpPr>
+      <p:grpSpPr>
+        <a:xfrm>
+          <a:off x="0" y="0"/>
+          <a:ext cx="0" cy="0"/>
+          <a:chOff x="0" y="0"/>
+          <a:chExt cx="0" cy="0"/>
+        </a:xfrm>
+      </p:grpSpPr>
+      <p:sp useBgFill="1">
+        <p:nvSpPr>
+          <p:cNvPr id="8" name="Rectangle 7">
+            <a:extLst>
+              <a:ext uri="{FF2B5EF4-FFF2-40B4-BE49-F238E27FC236}">
+                <a16:creationId xmlns:a16="http://schemas.microsoft.com/office/drawing/2014/main" id="{BC052280-388E-4151-A1EB-5236D4FCCA28}"/>
+              </a:ext>
+              <a:ext uri="{C183D7F6-B498-43B3-948B-1728B52AA6E4}">
+                <adec:decorative xmlns:adec="http://schemas.microsoft.com/office/drawing/2017/decorative" val="1"/>
+              </a:ext>
+            </a:extLst>
+          </p:cNvPr>
+          <p:cNvSpPr>
+            <a:spLocks noGrp="1" noRot="1" noChangeAspect="1" noMove="1" noResize="1" noEditPoints="1" noAdjustHandles="1" noChangeArrowheads="1" noChangeShapeType="1" noTextEdit="1"/>
+          </p:cNvSpPr>
+          <p:nvPr>
+            <p:extLst>
+              <p:ext uri="{386F3935-93C4-4BCD-93E2-E3B085C9AB24}">
+                <p16:designElem xmlns:p16="http://schemas.microsoft.com/office/powerpoint/2015/main" val="1"/>
+              </p:ext>
+            </p:extLst>
+          </p:nvPr>
+        </p:nvSpPr>
+        <p:spPr>
+          <a:xfrm>
+            <a:off x="0" y="0"/>
+            <a:ext cx="12192000" cy="6858000"/>
+          </a:xfrm>
+          <a:prstGeom prst="rect">
+            <a:avLst/>
+          </a:prstGeom>
+          <a:ln>
+            <a:noFill/>
+          </a:ln>
+        </p:spPr>
+        <p:style>
+          <a:lnRef idx="2">
+            <a:schemeClr val="accent1">
+              <a:shade val="50000"/>
+            </a:schemeClr>
+          </a:lnRef>
+          <a:fillRef idx="1">
+            <a:schemeClr val="accent1"/>
+          </a:fillRef>
+          <a:effectRef idx="0">
+            <a:schemeClr val="accent1"/>
+          </a:effectRef>
+          <a:fontRef idx="minor">
+            <a:schemeClr val="lt1"/>
+          </a:fontRef>
+        </p:style>
+        <p:txBody>
+          <a:bodyPr rtlCol="0" anchor="ctr"/>
+          <a:lstStyle/>
+          <a:p>
+            <a:pPr algn="ctr"/>
+            <a:endParaRPr lang="en-US"/>
+          </a:p>
+        </p:txBody>
+      </p:sp>
+      <p:sp>
+        <p:nvSpPr>
+          <p:cNvPr id="2" name="Title 1">
+            <a:extLst>
+              <a:ext uri="{FF2B5EF4-FFF2-40B4-BE49-F238E27FC236}">
+                <a16:creationId xmlns:a16="http://schemas.microsoft.com/office/drawing/2014/main" id="{86303964-F6FE-4868-9CC2-074D1EF77090}"/>
+              </a:ext>
+            </a:extLst>
+          </p:cNvPr>
+          <p:cNvSpPr>
+            <a:spLocks noGrp="1"/>
+          </p:cNvSpPr>
+          <p:nvPr>
+            <p:ph type="title"/>
+          </p:nvPr>
+        </p:nvSpPr>
+        <p:spPr>
+          <a:xfrm>
+            <a:off x="913796" y="927100"/>
+            <a:ext cx="3418766" cy="4616450"/>
+          </a:xfrm>
+        </p:spPr>
+        <p:txBody>
+          <a:bodyPr>
+            <a:normAutofit/>
+          </a:bodyPr>
+          <a:lstStyle/>
+          <a:p>
+            <a:r>
+              <a:rPr lang="en-GB" dirty="0"/>
+              <a:t>SQL Queries 3</a:t>
+            </a:r>
+          </a:p>
+        </p:txBody>
+      </p:sp>
+      <p:cxnSp>
+        <p:nvCxnSpPr>
+          <p:cNvPr id="10" name="Straight Connector 9">
+            <a:extLst>
+              <a:ext uri="{FF2B5EF4-FFF2-40B4-BE49-F238E27FC236}">
+                <a16:creationId xmlns:a16="http://schemas.microsoft.com/office/drawing/2014/main" id="{744251C3-E720-4363-8AF0-20AD319374F0}"/>
+              </a:ext>
+              <a:ext uri="{C183D7F6-B498-43B3-948B-1728B52AA6E4}">
+                <adec:decorative xmlns:adec="http://schemas.microsoft.com/office/drawing/2017/decorative" val="1"/>
+              </a:ext>
+            </a:extLst>
+          </p:cNvPr>
+          <p:cNvCxnSpPr>
+            <a:cxnSpLocks noGrp="1" noRot="1" noChangeAspect="1" noMove="1" noResize="1" noEditPoints="1" noAdjustHandles="1" noChangeArrowheads="1" noChangeShapeType="1"/>
+          </p:cNvCxnSpPr>
+          <p:nvPr>
+            <p:extLst>
+              <p:ext uri="{386F3935-93C4-4BCD-93E2-E3B085C9AB24}">
+                <p16:designElem xmlns:p16="http://schemas.microsoft.com/office/powerpoint/2015/main" val="1"/>
+              </p:ext>
+            </p:extLst>
+          </p:nvPr>
+        </p:nvCxnSpPr>
+        <p:spPr>
+          <a:xfrm>
+            <a:off x="4654296" y="2301359"/>
+            <a:ext cx="0" cy="1911350"/>
+          </a:xfrm>
+          <a:prstGeom prst="line">
+            <a:avLst/>
+          </a:prstGeom>
+          <a:ln>
+            <a:solidFill>
+              <a:schemeClr val="tx2"/>
+            </a:solidFill>
+          </a:ln>
+        </p:spPr>
+        <p:style>
+          <a:lnRef idx="1">
+            <a:schemeClr val="accent1"/>
+          </a:lnRef>
+          <a:fillRef idx="0">
+            <a:schemeClr val="accent1"/>
+          </a:fillRef>
+          <a:effectRef idx="0">
+            <a:schemeClr val="accent1"/>
+          </a:effectRef>
+          <a:fontRef idx="minor">
+            <a:schemeClr val="tx1"/>
+          </a:fontRef>
+        </p:style>
+      </p:cxnSp>
+      <p:sp>
+        <p:nvSpPr>
+          <p:cNvPr id="3" name="Content Placeholder 2">
+            <a:extLst>
+              <a:ext uri="{FF2B5EF4-FFF2-40B4-BE49-F238E27FC236}">
+                <a16:creationId xmlns:a16="http://schemas.microsoft.com/office/drawing/2014/main" id="{DC900C16-142C-4B16-82BF-214B435B784E}"/>
+              </a:ext>
+            </a:extLst>
+          </p:cNvPr>
+          <p:cNvSpPr>
+            <a:spLocks noGrp="1"/>
+          </p:cNvSpPr>
+          <p:nvPr>
+            <p:ph idx="1"/>
+          </p:nvPr>
+        </p:nvSpPr>
+        <p:spPr>
+          <a:xfrm>
+            <a:off x="4976029" y="971549"/>
+            <a:ext cx="6291528" cy="4616450"/>
+          </a:xfrm>
+        </p:spPr>
+        <p:txBody>
+          <a:bodyPr anchor="ctr">
+            <a:normAutofit/>
+          </a:bodyPr>
+          <a:lstStyle/>
+          <a:p>
+            <a:pPr>
+              <a:lnSpc>
+                <a:spcPct val="110000"/>
+              </a:lnSpc>
+            </a:pPr>
+            <a:r>
+              <a:rPr lang="en-GB" sz="1600" dirty="0">
+                <a:latin typeface="+mj-lt"/>
+              </a:rPr>
+              <a:t>The Messages table is used to store all the messages between users. This table is the only one in the database to have two foreign keys (these being the “</a:t>
+            </a:r>
+            <a:r>
+              <a:rPr lang="en-GB" sz="1600" dirty="0" err="1">
+                <a:latin typeface="+mj-lt"/>
+              </a:rPr>
+              <a:t>sender_id</a:t>
+            </a:r>
+            <a:r>
+              <a:rPr lang="en-GB" sz="1600" dirty="0">
+                <a:latin typeface="+mj-lt"/>
+              </a:rPr>
+              <a:t>” and “</a:t>
+            </a:r>
+            <a:r>
+              <a:rPr lang="en-GB" sz="1600" dirty="0" err="1">
+                <a:latin typeface="+mj-lt"/>
+              </a:rPr>
+              <a:t>receiver_id</a:t>
+            </a:r>
+            <a:r>
+              <a:rPr lang="en-GB" sz="1600" dirty="0">
+                <a:latin typeface="+mj-lt"/>
+              </a:rPr>
+              <a:t>” respectively). Both the sender and receiver were related to the user as they are both users themselves. Hence, there are technically two connections between the Messages and Users tables. This table is also the only one to contain a different datatype to VARCHAR: DATETIME. This was (obviously) applied to the “</a:t>
+            </a:r>
+            <a:r>
+              <a:rPr lang="en-GB" sz="1600" dirty="0" err="1">
+                <a:latin typeface="+mj-lt"/>
+              </a:rPr>
+              <a:t>date_and_time_sent</a:t>
+            </a:r>
+            <a:r>
+              <a:rPr lang="en-GB" sz="1600" dirty="0">
+                <a:latin typeface="+mj-lt"/>
+              </a:rPr>
+              <a:t>” attribute simply as it fits there perfectly, considering its use for the date and time together. </a:t>
+            </a:r>
+          </a:p>
+          <a:p>
+            <a:pPr>
+              <a:lnSpc>
+                <a:spcPct val="110000"/>
+              </a:lnSpc>
+            </a:pPr>
+            <a:r>
+              <a:rPr lang="en-GB" sz="1600" dirty="0">
+                <a:latin typeface="+mj-lt"/>
+              </a:rPr>
+              <a:t>SELECT statements are the only other SQL queries to not have been directly used in other tables. They are contained within the C# code for the visual interface as literal (hard-coded) values, enabling the C# code to execute the statements (to access the tables) itself.</a:t>
+            </a:r>
+          </a:p>
+        </p:txBody>
+      </p:sp>
+    </p:spTree>
+    <p:extLst>
+      <p:ext uri="{BB962C8B-B14F-4D97-AF65-F5344CB8AC3E}">
+        <p14:creationId xmlns:p14="http://schemas.microsoft.com/office/powerpoint/2010/main" val="3388391856"/>
+      </p:ext>
+    </p:extLst>
+  </p:cSld>
+  <p:clrMapOvr>
+    <a:masterClrMapping/>
+  </p:clrMapOvr>
+</p:sld>
+</file>
+
+<file path=ppt/slides/slide11.xml><?xml version="1.0" encoding="utf-8"?>
+<p:sld xmlns:a="http://schemas.openxmlformats.org/drawingml/2006/main" xmlns:r="http://schemas.openxmlformats.org/officeDocument/2006/relationships" xmlns:p="http://schemas.openxmlformats.org/presentationml/2006/main">
+  <p:cSld>
+    <p:bg>
+      <p:bgPr>
+        <a:blipFill rotWithShape="1">
+          <a:blip r:embed="rId3">
+            <a:duotone>
+              <a:schemeClr val="bg2">
+                <a:shade val="18000"/>
+                <a:satMod val="160000"/>
+                <a:lumMod val="28000"/>
+              </a:schemeClr>
+              <a:schemeClr val="bg2">
+                <a:tint val="95000"/>
+                <a:satMod val="160000"/>
+                <a:lumMod val="116000"/>
+              </a:schemeClr>
+            </a:duotone>
+          </a:blip>
+          <a:stretch/>
+        </a:blipFill>
+        <a:effectLst/>
+      </p:bgPr>
+    </p:bg>
+    <p:spTree>
+      <p:nvGrpSpPr>
+        <p:cNvPr id="1" name=""/>
+        <p:cNvGrpSpPr/>
+        <p:nvPr/>
+      </p:nvGrpSpPr>
+      <p:grpSpPr>
+        <a:xfrm>
+          <a:off x="0" y="0"/>
+          <a:ext cx="0" cy="0"/>
+          <a:chOff x="0" y="0"/>
+          <a:chExt cx="0" cy="0"/>
+        </a:xfrm>
+      </p:grpSpPr>
+      <p:sp useBgFill="1">
+        <p:nvSpPr>
+          <p:cNvPr id="8" name="Rectangle 7">
+            <a:extLst>
+              <a:ext uri="{FF2B5EF4-FFF2-40B4-BE49-F238E27FC236}">
+                <a16:creationId xmlns:a16="http://schemas.microsoft.com/office/drawing/2014/main" id="{BC052280-388E-4151-A1EB-5236D4FCCA28}"/>
+              </a:ext>
+              <a:ext uri="{C183D7F6-B498-43B3-948B-1728B52AA6E4}">
+                <adec:decorative xmlns:adec="http://schemas.microsoft.com/office/drawing/2017/decorative" val="1"/>
+              </a:ext>
+            </a:extLst>
+          </p:cNvPr>
+          <p:cNvSpPr>
+            <a:spLocks noGrp="1" noRot="1" noChangeAspect="1" noMove="1" noResize="1" noEditPoints="1" noAdjustHandles="1" noChangeArrowheads="1" noChangeShapeType="1" noTextEdit="1"/>
+          </p:cNvSpPr>
+          <p:nvPr>
+            <p:extLst>
+              <p:ext uri="{386F3935-93C4-4BCD-93E2-E3B085C9AB24}">
+                <p16:designElem xmlns:p16="http://schemas.microsoft.com/office/powerpoint/2015/main" val="1"/>
+              </p:ext>
+            </p:extLst>
+          </p:nvPr>
+        </p:nvSpPr>
+        <p:spPr>
+          <a:xfrm>
+            <a:off x="0" y="0"/>
+            <a:ext cx="12192000" cy="6858000"/>
+          </a:xfrm>
+          <a:prstGeom prst="rect">
+            <a:avLst/>
+          </a:prstGeom>
+          <a:ln>
+            <a:noFill/>
+          </a:ln>
+        </p:spPr>
+        <p:style>
+          <a:lnRef idx="2">
+            <a:schemeClr val="accent1">
+              <a:shade val="50000"/>
+            </a:schemeClr>
+          </a:lnRef>
+          <a:fillRef idx="1">
+            <a:schemeClr val="accent1"/>
+          </a:fillRef>
+          <a:effectRef idx="0">
+            <a:schemeClr val="accent1"/>
+          </a:effectRef>
+          <a:fontRef idx="minor">
+            <a:schemeClr val="lt1"/>
+          </a:fontRef>
+        </p:style>
+        <p:txBody>
+          <a:bodyPr rtlCol="0" anchor="ctr"/>
+          <a:lstStyle/>
+          <a:p>
+            <a:pPr algn="ctr"/>
+            <a:endParaRPr lang="en-US"/>
+          </a:p>
+        </p:txBody>
+      </p:sp>
+      <p:sp>
+        <p:nvSpPr>
+          <p:cNvPr id="2" name="Title 1">
+            <a:extLst>
+              <a:ext uri="{FF2B5EF4-FFF2-40B4-BE49-F238E27FC236}">
+                <a16:creationId xmlns:a16="http://schemas.microsoft.com/office/drawing/2014/main" id="{86303964-F6FE-4868-9CC2-074D1EF77090}"/>
+              </a:ext>
+            </a:extLst>
+          </p:cNvPr>
+          <p:cNvSpPr>
+            <a:spLocks noGrp="1"/>
+          </p:cNvSpPr>
+          <p:nvPr>
+            <p:ph type="title"/>
+          </p:nvPr>
+        </p:nvSpPr>
+        <p:spPr>
+          <a:xfrm>
+            <a:off x="913796" y="927100"/>
+            <a:ext cx="3418766" cy="4616450"/>
+          </a:xfrm>
+        </p:spPr>
+        <p:txBody>
+          <a:bodyPr>
+            <a:normAutofit/>
+          </a:bodyPr>
+          <a:lstStyle/>
+          <a:p>
+            <a:r>
+              <a:rPr lang="en-GB" dirty="0"/>
+              <a:t>Conclusion</a:t>
+            </a:r>
+          </a:p>
+        </p:txBody>
+      </p:sp>
+      <p:cxnSp>
+        <p:nvCxnSpPr>
+          <p:cNvPr id="10" name="Straight Connector 9">
+            <a:extLst>
+              <a:ext uri="{FF2B5EF4-FFF2-40B4-BE49-F238E27FC236}">
+                <a16:creationId xmlns:a16="http://schemas.microsoft.com/office/drawing/2014/main" id="{744251C3-E720-4363-8AF0-20AD319374F0}"/>
+              </a:ext>
+              <a:ext uri="{C183D7F6-B498-43B3-948B-1728B52AA6E4}">
+                <adec:decorative xmlns:adec="http://schemas.microsoft.com/office/drawing/2017/decorative" val="1"/>
+              </a:ext>
+            </a:extLst>
+          </p:cNvPr>
+          <p:cNvCxnSpPr>
+            <a:cxnSpLocks noGrp="1" noRot="1" noChangeAspect="1" noMove="1" noResize="1" noEditPoints="1" noAdjustHandles="1" noChangeArrowheads="1" noChangeShapeType="1"/>
+          </p:cNvCxnSpPr>
+          <p:nvPr>
+            <p:extLst>
+              <p:ext uri="{386F3935-93C4-4BCD-93E2-E3B085C9AB24}">
+                <p16:designElem xmlns:p16="http://schemas.microsoft.com/office/powerpoint/2015/main" val="1"/>
+              </p:ext>
+            </p:extLst>
+          </p:nvPr>
+        </p:nvCxnSpPr>
+        <p:spPr>
+          <a:xfrm>
+            <a:off x="4654296" y="2301359"/>
+            <a:ext cx="0" cy="1911350"/>
+          </a:xfrm>
+          <a:prstGeom prst="line">
+            <a:avLst/>
+          </a:prstGeom>
+          <a:ln>
+            <a:solidFill>
+              <a:schemeClr val="tx2"/>
+            </a:solidFill>
+          </a:ln>
+        </p:spPr>
+        <p:style>
+          <a:lnRef idx="1">
+            <a:schemeClr val="accent1"/>
+          </a:lnRef>
+          <a:fillRef idx="0">
+            <a:schemeClr val="accent1"/>
+          </a:fillRef>
+          <a:effectRef idx="0">
+            <a:schemeClr val="accent1"/>
+          </a:effectRef>
+          <a:fontRef idx="minor">
+            <a:schemeClr val="tx1"/>
+          </a:fontRef>
+        </p:style>
+      </p:cxnSp>
+      <p:sp>
+        <p:nvSpPr>
+          <p:cNvPr id="3" name="Content Placeholder 2">
+            <a:extLst>
+              <a:ext uri="{FF2B5EF4-FFF2-40B4-BE49-F238E27FC236}">
+                <a16:creationId xmlns:a16="http://schemas.microsoft.com/office/drawing/2014/main" id="{DC900C16-142C-4B16-82BF-214B435B784E}"/>
+              </a:ext>
+            </a:extLst>
+          </p:cNvPr>
+          <p:cNvSpPr>
+            <a:spLocks noGrp="1"/>
+          </p:cNvSpPr>
+          <p:nvPr>
+            <p:ph idx="1"/>
+          </p:nvPr>
+        </p:nvSpPr>
+        <p:spPr>
+          <a:xfrm>
+            <a:off x="4976029" y="971549"/>
+            <a:ext cx="6291528" cy="4616450"/>
+          </a:xfrm>
+        </p:spPr>
+        <p:txBody>
+          <a:bodyPr anchor="ctr">
+            <a:normAutofit/>
+          </a:bodyPr>
+          <a:lstStyle/>
+          <a:p>
+            <a:pPr>
+              <a:lnSpc>
+                <a:spcPct val="110000"/>
+              </a:lnSpc>
+            </a:pPr>
+            <a:r>
+              <a:rPr lang="en-GB" sz="1600" dirty="0">
+                <a:latin typeface="+mj-lt"/>
+              </a:rPr>
+              <a:t>Overall, the diagrams that have been drawn are arguably quite clear and describe the users’ levels of access and roles when using the database. Although the diagrams seem sufficient (at least to me), the C# code could arguably have been improved; it only displays the data from the database simply in separate tables where, ideally, it would have had a link between each table (and specific data within each) depending on which attribute the user selected (for example, (starting with the User-Friend Link table) displaying the a particular profile from the Users table having selected a particular “</a:t>
+            </a:r>
+            <a:r>
+              <a:rPr lang="en-GB" sz="1600" dirty="0" err="1">
+                <a:latin typeface="+mj-lt"/>
+              </a:rPr>
+              <a:t>user_id</a:t>
+            </a:r>
+            <a:r>
+              <a:rPr lang="en-GB" sz="1600" dirty="0">
+                <a:latin typeface="+mj-lt"/>
+              </a:rPr>
+              <a:t>”).</a:t>
+            </a:r>
+          </a:p>
+        </p:txBody>
+      </p:sp>
+    </p:spTree>
+    <p:extLst>
+      <p:ext uri="{BB962C8B-B14F-4D97-AF65-F5344CB8AC3E}">
+        <p14:creationId xmlns:p14="http://schemas.microsoft.com/office/powerpoint/2010/main" val="2844396003"/>
+      </p:ext>
+    </p:extLst>
+  </p:cSld>
+  <p:clrMapOvr>
+    <a:masterClrMapping/>
+  </p:clrMapOvr>
+</p:sld>
+</file>
+
 <file path=ppt/slides/slide2.xml><?xml version="1.0" encoding="utf-8"?>
 <p:sld xmlns:a="http://schemas.openxmlformats.org/drawingml/2006/main" xmlns:r="http://schemas.openxmlformats.org/officeDocument/2006/relationships" xmlns:p="http://schemas.openxmlformats.org/presentationml/2006/main">
   <p:cSld>
@@ -7431,7 +8444,7 @@
         </p:spPr>
         <p:txBody>
           <a:bodyPr anchor="ctr">
-            <a:normAutofit/>
+            <a:normAutofit fontScale="92500" lnSpcReduction="20000"/>
           </a:bodyPr>
           <a:lstStyle/>
           <a:p>
@@ -7440,9 +8453,25 @@
                 <a:spcPct val="110000"/>
               </a:lnSpc>
             </a:pPr>
-            <a:endParaRPr lang="en-GB" sz="1600" dirty="0">
-              <a:latin typeface="+mj-lt"/>
-            </a:endParaRPr>
+            <a:r>
+              <a:rPr lang="en-GB" sz="1600" dirty="0">
+                <a:latin typeface="+mj-lt"/>
+              </a:rPr>
+              <a:t>The Users table is a table that contains a Facebook user’s personal details other than the university and/or workplace they attend(ed). This includes forename, surname, hometown, and gender. The table was rather simple to create (especially compared to the others) as it required no foreign keys and only contains the VARCHAR datatype. </a:t>
+            </a:r>
+          </a:p>
+          <a:p>
+            <a:pPr>
+              <a:lnSpc>
+                <a:spcPct val="110000"/>
+              </a:lnSpc>
+            </a:pPr>
+            <a:r>
+              <a:rPr lang="en-GB" sz="1600" dirty="0">
+                <a:latin typeface="+mj-lt"/>
+              </a:rPr>
+              <a:t>The Workplaces table contains users’ workplace information that was deliberately separated from the Users table. This was because of the Normalisation; the date range during which any particular user attended any particular workplace is defined both by the user and the workplace (as different people work for different amounts of time and at different times) and hence this would form a separate table with a composite key. Datatype-wise, it too only contains VARCHARs. VARCHARs are incredibly versatile datatypes, able to represent most data. The DATE type was intended to be used for the date field, but because it was a range (and not a single date), it wouldn’t work unless it was made into two separate columns. Wanting to keep to the source profile as much as possible, the column was not split and hence the VARCHAR was used instead.</a:t>
+            </a:r>
           </a:p>
         </p:txBody>
       </p:sp>
@@ -7450,6 +8479,272 @@
     <p:extLst>
       <p:ext uri="{BB962C8B-B14F-4D97-AF65-F5344CB8AC3E}">
         <p14:creationId xmlns:p14="http://schemas.microsoft.com/office/powerpoint/2010/main" val="4136533379"/>
+      </p:ext>
+    </p:extLst>
+  </p:cSld>
+  <p:clrMapOvr>
+    <a:masterClrMapping/>
+  </p:clrMapOvr>
+</p:sld>
+</file>
+
+<file path=ppt/slides/slide9.xml><?xml version="1.0" encoding="utf-8"?>
+<p:sld xmlns:a="http://schemas.openxmlformats.org/drawingml/2006/main" xmlns:r="http://schemas.openxmlformats.org/officeDocument/2006/relationships" xmlns:p="http://schemas.openxmlformats.org/presentationml/2006/main">
+  <p:cSld>
+    <p:bg>
+      <p:bgPr>
+        <a:blipFill rotWithShape="1">
+          <a:blip r:embed="rId2">
+            <a:duotone>
+              <a:schemeClr val="bg2">
+                <a:shade val="18000"/>
+                <a:satMod val="160000"/>
+                <a:lumMod val="28000"/>
+              </a:schemeClr>
+              <a:schemeClr val="bg2">
+                <a:tint val="95000"/>
+                <a:satMod val="160000"/>
+                <a:lumMod val="116000"/>
+              </a:schemeClr>
+            </a:duotone>
+          </a:blip>
+          <a:stretch/>
+        </a:blipFill>
+        <a:effectLst/>
+      </p:bgPr>
+    </p:bg>
+    <p:spTree>
+      <p:nvGrpSpPr>
+        <p:cNvPr id="1" name=""/>
+        <p:cNvGrpSpPr/>
+        <p:nvPr/>
+      </p:nvGrpSpPr>
+      <p:grpSpPr>
+        <a:xfrm>
+          <a:off x="0" y="0"/>
+          <a:ext cx="0" cy="0"/>
+          <a:chOff x="0" y="0"/>
+          <a:chExt cx="0" cy="0"/>
+        </a:xfrm>
+      </p:grpSpPr>
+      <p:sp useBgFill="1">
+        <p:nvSpPr>
+          <p:cNvPr id="8" name="Rectangle 7">
+            <a:extLst>
+              <a:ext uri="{FF2B5EF4-FFF2-40B4-BE49-F238E27FC236}">
+                <a16:creationId xmlns:a16="http://schemas.microsoft.com/office/drawing/2014/main" id="{BC052280-388E-4151-A1EB-5236D4FCCA28}"/>
+              </a:ext>
+              <a:ext uri="{C183D7F6-B498-43B3-948B-1728B52AA6E4}">
+                <adec:decorative xmlns:adec="http://schemas.microsoft.com/office/drawing/2017/decorative" val="1"/>
+              </a:ext>
+            </a:extLst>
+          </p:cNvPr>
+          <p:cNvSpPr>
+            <a:spLocks noGrp="1" noRot="1" noChangeAspect="1" noMove="1" noResize="1" noEditPoints="1" noAdjustHandles="1" noChangeArrowheads="1" noChangeShapeType="1" noTextEdit="1"/>
+          </p:cNvSpPr>
+          <p:nvPr>
+            <p:extLst>
+              <p:ext uri="{386F3935-93C4-4BCD-93E2-E3B085C9AB24}">
+                <p16:designElem xmlns:p16="http://schemas.microsoft.com/office/powerpoint/2015/main" val="1"/>
+              </p:ext>
+            </p:extLst>
+          </p:nvPr>
+        </p:nvSpPr>
+        <p:spPr>
+          <a:xfrm>
+            <a:off x="0" y="0"/>
+            <a:ext cx="12192000" cy="6858000"/>
+          </a:xfrm>
+          <a:prstGeom prst="rect">
+            <a:avLst/>
+          </a:prstGeom>
+          <a:ln>
+            <a:noFill/>
+          </a:ln>
+        </p:spPr>
+        <p:style>
+          <a:lnRef idx="2">
+            <a:schemeClr val="accent1">
+              <a:shade val="50000"/>
+            </a:schemeClr>
+          </a:lnRef>
+          <a:fillRef idx="1">
+            <a:schemeClr val="accent1"/>
+          </a:fillRef>
+          <a:effectRef idx="0">
+            <a:schemeClr val="accent1"/>
+          </a:effectRef>
+          <a:fontRef idx="minor">
+            <a:schemeClr val="lt1"/>
+          </a:fontRef>
+        </p:style>
+        <p:txBody>
+          <a:bodyPr rtlCol="0" anchor="ctr"/>
+          <a:lstStyle/>
+          <a:p>
+            <a:pPr algn="ctr"/>
+            <a:endParaRPr lang="en-US"/>
+          </a:p>
+        </p:txBody>
+      </p:sp>
+      <p:sp>
+        <p:nvSpPr>
+          <p:cNvPr id="2" name="Title 1">
+            <a:extLst>
+              <a:ext uri="{FF2B5EF4-FFF2-40B4-BE49-F238E27FC236}">
+                <a16:creationId xmlns:a16="http://schemas.microsoft.com/office/drawing/2014/main" id="{86303964-F6FE-4868-9CC2-074D1EF77090}"/>
+              </a:ext>
+            </a:extLst>
+          </p:cNvPr>
+          <p:cNvSpPr>
+            <a:spLocks noGrp="1"/>
+          </p:cNvSpPr>
+          <p:nvPr>
+            <p:ph type="title"/>
+          </p:nvPr>
+        </p:nvSpPr>
+        <p:spPr>
+          <a:xfrm>
+            <a:off x="913796" y="927100"/>
+            <a:ext cx="3418766" cy="4616450"/>
+          </a:xfrm>
+        </p:spPr>
+        <p:txBody>
+          <a:bodyPr>
+            <a:normAutofit/>
+          </a:bodyPr>
+          <a:lstStyle/>
+          <a:p>
+            <a:r>
+              <a:rPr lang="en-GB" dirty="0"/>
+              <a:t>SQL Queries 2</a:t>
+            </a:r>
+          </a:p>
+        </p:txBody>
+      </p:sp>
+      <p:cxnSp>
+        <p:nvCxnSpPr>
+          <p:cNvPr id="10" name="Straight Connector 9">
+            <a:extLst>
+              <a:ext uri="{FF2B5EF4-FFF2-40B4-BE49-F238E27FC236}">
+                <a16:creationId xmlns:a16="http://schemas.microsoft.com/office/drawing/2014/main" id="{744251C3-E720-4363-8AF0-20AD319374F0}"/>
+              </a:ext>
+              <a:ext uri="{C183D7F6-B498-43B3-948B-1728B52AA6E4}">
+                <adec:decorative xmlns:adec="http://schemas.microsoft.com/office/drawing/2017/decorative" val="1"/>
+              </a:ext>
+            </a:extLst>
+          </p:cNvPr>
+          <p:cNvCxnSpPr>
+            <a:cxnSpLocks noGrp="1" noRot="1" noChangeAspect="1" noMove="1" noResize="1" noEditPoints="1" noAdjustHandles="1" noChangeArrowheads="1" noChangeShapeType="1"/>
+          </p:cNvCxnSpPr>
+          <p:nvPr>
+            <p:extLst>
+              <p:ext uri="{386F3935-93C4-4BCD-93E2-E3B085C9AB24}">
+                <p16:designElem xmlns:p16="http://schemas.microsoft.com/office/powerpoint/2015/main" val="1"/>
+              </p:ext>
+            </p:extLst>
+          </p:nvPr>
+        </p:nvCxnSpPr>
+        <p:spPr>
+          <a:xfrm>
+            <a:off x="4654296" y="2301359"/>
+            <a:ext cx="0" cy="1911350"/>
+          </a:xfrm>
+          <a:prstGeom prst="line">
+            <a:avLst/>
+          </a:prstGeom>
+          <a:ln>
+            <a:solidFill>
+              <a:schemeClr val="tx2"/>
+            </a:solidFill>
+          </a:ln>
+        </p:spPr>
+        <p:style>
+          <a:lnRef idx="1">
+            <a:schemeClr val="accent1"/>
+          </a:lnRef>
+          <a:fillRef idx="0">
+            <a:schemeClr val="accent1"/>
+          </a:fillRef>
+          <a:effectRef idx="0">
+            <a:schemeClr val="accent1"/>
+          </a:effectRef>
+          <a:fontRef idx="minor">
+            <a:schemeClr val="tx1"/>
+          </a:fontRef>
+        </p:style>
+      </p:cxnSp>
+      <p:sp>
+        <p:nvSpPr>
+          <p:cNvPr id="3" name="Content Placeholder 2">
+            <a:extLst>
+              <a:ext uri="{FF2B5EF4-FFF2-40B4-BE49-F238E27FC236}">
+                <a16:creationId xmlns:a16="http://schemas.microsoft.com/office/drawing/2014/main" id="{DC900C16-142C-4B16-82BF-214B435B784E}"/>
+              </a:ext>
+            </a:extLst>
+          </p:cNvPr>
+          <p:cNvSpPr>
+            <a:spLocks noGrp="1"/>
+          </p:cNvSpPr>
+          <p:nvPr>
+            <p:ph idx="1"/>
+          </p:nvPr>
+        </p:nvSpPr>
+        <p:spPr>
+          <a:xfrm>
+            <a:off x="4976029" y="971549"/>
+            <a:ext cx="6291528" cy="4616450"/>
+          </a:xfrm>
+        </p:spPr>
+        <p:txBody>
+          <a:bodyPr anchor="ctr">
+            <a:normAutofit fontScale="92500" lnSpcReduction="10000"/>
+          </a:bodyPr>
+          <a:lstStyle/>
+          <a:p>
+            <a:pPr>
+              <a:lnSpc>
+                <a:spcPct val="110000"/>
+              </a:lnSpc>
+            </a:pPr>
+            <a:r>
+              <a:rPr lang="en-GB" sz="1600" dirty="0">
+                <a:latin typeface="+mj-lt"/>
+              </a:rPr>
+              <a:t>The Universities table contains users’ university information that was deliberately kept separate from the Users table. Again, this was due to the Normalisation and, more specifically, it was again due to the date range depending on both the user and the university (which led to the creation of a composite key). Like the Workplaces table, all of its datatypes are VARCHARs and, also alike to the Workplaces table, one foreign key is present which linked it to the Users table. The foreign key is the “</a:t>
+            </a:r>
+            <a:r>
+              <a:rPr lang="en-GB" sz="1600" dirty="0" err="1">
+                <a:latin typeface="+mj-lt"/>
+              </a:rPr>
+              <a:t>user_id</a:t>
+            </a:r>
+            <a:r>
+              <a:rPr lang="en-GB" sz="1600" dirty="0">
+                <a:latin typeface="+mj-lt"/>
+              </a:rPr>
+              <a:t>”, allowing for the table to be directly connected to the Users table.</a:t>
+            </a:r>
+          </a:p>
+          <a:p>
+            <a:pPr>
+              <a:lnSpc>
+                <a:spcPct val="110000"/>
+              </a:lnSpc>
+            </a:pPr>
+            <a:r>
+              <a:rPr lang="en-GB" sz="1600" dirty="0">
+                <a:latin typeface="+mj-lt"/>
+              </a:rPr>
+              <a:t>The User-Friend Link table can also be more simply known as the Friends table, but is not explicitly named as such due to it initially being a link between the Users table and the original Friends table. The original Friends table contained only the ID, the forename, and the surname of the friend and, because friends are themselves users, this information could easily be contained within the Users table (hence preventing duplication of data).</a:t>
+            </a:r>
+          </a:p>
+        </p:txBody>
+      </p:sp>
+    </p:spTree>
+    <p:extLst>
+      <p:ext uri="{BB962C8B-B14F-4D97-AF65-F5344CB8AC3E}">
+        <p14:creationId xmlns:p14="http://schemas.microsoft.com/office/powerpoint/2010/main" val="3126795559"/>
       </p:ext>
     </p:extLst>
   </p:cSld>
@@ -7713,4 +9008,299 @@
     </a:ext>
   </a:extLst>
 </a:theme>
+</file>
+
+<file path=ppt/theme/theme2.xml><?xml version="1.0" encoding="utf-8"?>
+<a:theme xmlns:a="http://schemas.openxmlformats.org/drawingml/2006/main" name="Office Theme">
+  <a:themeElements>
+    <a:clrScheme name="Office">
+      <a:dk1>
+        <a:sysClr val="windowText" lastClr="000000"/>
+      </a:dk1>
+      <a:lt1>
+        <a:sysClr val="window" lastClr="FFFFFF"/>
+      </a:lt1>
+      <a:dk2>
+        <a:srgbClr val="44546A"/>
+      </a:dk2>
+      <a:lt2>
+        <a:srgbClr val="E7E6E6"/>
+      </a:lt2>
+      <a:accent1>
+        <a:srgbClr val="4472C4"/>
+      </a:accent1>
+      <a:accent2>
+        <a:srgbClr val="ED7D31"/>
+      </a:accent2>
+      <a:accent3>
+        <a:srgbClr val="A5A5A5"/>
+      </a:accent3>
+      <a:accent4>
+        <a:srgbClr val="FFC000"/>
+      </a:accent4>
+      <a:accent5>
+        <a:srgbClr val="5B9BD5"/>
+      </a:accent5>
+      <a:accent6>
+        <a:srgbClr val="70AD47"/>
+      </a:accent6>
+      <a:hlink>
+        <a:srgbClr val="0563C1"/>
+      </a:hlink>
+      <a:folHlink>
+        <a:srgbClr val="954F72"/>
+      </a:folHlink>
+    </a:clrScheme>
+    <a:fontScheme name="Office">
+      <a:majorFont>
+        <a:latin typeface="Calibri Light" panose="020F0302020204030204"/>
+        <a:ea typeface=""/>
+        <a:cs typeface=""/>
+        <a:font script="Jpan" typeface="游ゴシック Light"/>
+        <a:font script="Hang" typeface="맑은 고딕"/>
+        <a:font script="Hans" typeface="等线 Light"/>
+        <a:font script="Hant" typeface="新細明體"/>
+        <a:font script="Arab" typeface="Times New Roman"/>
+        <a:font script="Hebr" typeface="Times New Roman"/>
+        <a:font script="Thai" typeface="Angsana New"/>
+        <a:font script="Ethi" typeface="Nyala"/>
+        <a:font script="Beng" typeface="Vrinda"/>
+        <a:font script="Gujr" typeface="Shruti"/>
+        <a:font script="Khmr" typeface="MoolBoran"/>
+        <a:font script="Knda" typeface="Tunga"/>
+        <a:font script="Guru" typeface="Raavi"/>
+        <a:font script="Cans" typeface="Euphemia"/>
+        <a:font script="Cher" typeface="Plantagenet Cherokee"/>
+        <a:font script="Yiii" typeface="Microsoft Yi Baiti"/>
+        <a:font script="Tibt" typeface="Microsoft Himalaya"/>
+        <a:font script="Thaa" typeface="MV Boli"/>
+        <a:font script="Deva" typeface="Mangal"/>
+        <a:font script="Telu" typeface="Gautami"/>
+        <a:font script="Taml" typeface="Latha"/>
+        <a:font script="Syrc" typeface="Estrangelo Edessa"/>
+        <a:font script="Orya" typeface="Kalinga"/>
+        <a:font script="Mlym" typeface="Kartika"/>
+        <a:font script="Laoo" typeface="DokChampa"/>
+        <a:font script="Sinh" typeface="Iskoola Pota"/>
+        <a:font script="Mong" typeface="Mongolian Baiti"/>
+        <a:font script="Viet" typeface="Times New Roman"/>
+        <a:font script="Uigh" typeface="Microsoft Uighur"/>
+        <a:font script="Geor" typeface="Sylfaen"/>
+        <a:font script="Armn" typeface="Arial"/>
+        <a:font script="Bugi" typeface="Leelawadee UI"/>
+        <a:font script="Bopo" typeface="Microsoft JhengHei"/>
+        <a:font script="Java" typeface="Javanese Text"/>
+        <a:font script="Lisu" typeface="Segoe UI"/>
+        <a:font script="Mymr" typeface="Myanmar Text"/>
+        <a:font script="Nkoo" typeface="Ebrima"/>
+        <a:font script="Olck" typeface="Nirmala UI"/>
+        <a:font script="Osma" typeface="Ebrima"/>
+        <a:font script="Phag" typeface="Phagspa"/>
+        <a:font script="Syrn" typeface="Estrangelo Edessa"/>
+        <a:font script="Syrj" typeface="Estrangelo Edessa"/>
+        <a:font script="Syre" typeface="Estrangelo Edessa"/>
+        <a:font script="Sora" typeface="Nirmala UI"/>
+        <a:font script="Tale" typeface="Microsoft Tai Le"/>
+        <a:font script="Talu" typeface="Microsoft New Tai Lue"/>
+        <a:font script="Tfng" typeface="Ebrima"/>
+      </a:majorFont>
+      <a:minorFont>
+        <a:latin typeface="Calibri" panose="020F0502020204030204"/>
+        <a:ea typeface=""/>
+        <a:cs typeface=""/>
+        <a:font script="Jpan" typeface="游ゴシック"/>
+        <a:font script="Hang" typeface="맑은 고딕"/>
+        <a:font script="Hans" typeface="等线"/>
+        <a:font script="Hant" typeface="新細明體"/>
+        <a:font script="Arab" typeface="Arial"/>
+        <a:font script="Hebr" typeface="Arial"/>
+        <a:font script="Thai" typeface="Cordia New"/>
+        <a:font script="Ethi" typeface="Nyala"/>
+        <a:font script="Beng" typeface="Vrinda"/>
+        <a:font script="Gujr" typeface="Shruti"/>
+        <a:font script="Khmr" typeface="DaunPenh"/>
+        <a:font script="Knda" typeface="Tunga"/>
+        <a:font script="Guru" typeface="Raavi"/>
+        <a:font script="Cans" typeface="Euphemia"/>
+        <a:font script="Cher" typeface="Plantagenet Cherokee"/>
+        <a:font script="Yiii" typeface="Microsoft Yi Baiti"/>
+        <a:font script="Tibt" typeface="Microsoft Himalaya"/>
+        <a:font script="Thaa" typeface="MV Boli"/>
+        <a:font script="Deva" typeface="Mangal"/>
+        <a:font script="Telu" typeface="Gautami"/>
+        <a:font script="Taml" typeface="Latha"/>
+        <a:font script="Syrc" typeface="Estrangelo Edessa"/>
+        <a:font script="Orya" typeface="Kalinga"/>
+        <a:font script="Mlym" typeface="Kartika"/>
+        <a:font script="Laoo" typeface="DokChampa"/>
+        <a:font script="Sinh" typeface="Iskoola Pota"/>
+        <a:font script="Mong" typeface="Mongolian Baiti"/>
+        <a:font script="Viet" typeface="Arial"/>
+        <a:font script="Uigh" typeface="Microsoft Uighur"/>
+        <a:font script="Geor" typeface="Sylfaen"/>
+        <a:font script="Armn" typeface="Arial"/>
+        <a:font script="Bugi" typeface="Leelawadee UI"/>
+        <a:font script="Bopo" typeface="Microsoft JhengHei"/>
+        <a:font script="Java" typeface="Javanese Text"/>
+        <a:font script="Lisu" typeface="Segoe UI"/>
+        <a:font script="Mymr" typeface="Myanmar Text"/>
+        <a:font script="Nkoo" typeface="Ebrima"/>
+        <a:font script="Olck" typeface="Nirmala UI"/>
+        <a:font script="Osma" typeface="Ebrima"/>
+        <a:font script="Phag" typeface="Phagspa"/>
+        <a:font script="Syrn" typeface="Estrangelo Edessa"/>
+        <a:font script="Syrj" typeface="Estrangelo Edessa"/>
+        <a:font script="Syre" typeface="Estrangelo Edessa"/>
+        <a:font script="Sora" typeface="Nirmala UI"/>
+        <a:font script="Tale" typeface="Microsoft Tai Le"/>
+        <a:font script="Talu" typeface="Microsoft New Tai Lue"/>
+        <a:font script="Tfng" typeface="Ebrima"/>
+      </a:minorFont>
+    </a:fontScheme>
+    <a:fmtScheme name="Office">
+      <a:fillStyleLst>
+        <a:solidFill>
+          <a:schemeClr val="phClr"/>
+        </a:solidFill>
+        <a:gradFill rotWithShape="1">
+          <a:gsLst>
+            <a:gs pos="0">
+              <a:schemeClr val="phClr">
+                <a:lumMod val="110000"/>
+                <a:satMod val="105000"/>
+                <a:tint val="67000"/>
+              </a:schemeClr>
+            </a:gs>
+            <a:gs pos="50000">
+              <a:schemeClr val="phClr">
+                <a:lumMod val="105000"/>
+                <a:satMod val="103000"/>
+                <a:tint val="73000"/>
+              </a:schemeClr>
+            </a:gs>
+            <a:gs pos="100000">
+              <a:schemeClr val="phClr">
+                <a:lumMod val="105000"/>
+                <a:satMod val="109000"/>
+                <a:tint val="81000"/>
+              </a:schemeClr>
+            </a:gs>
+          </a:gsLst>
+          <a:lin ang="5400000" scaled="0"/>
+        </a:gradFill>
+        <a:gradFill rotWithShape="1">
+          <a:gsLst>
+            <a:gs pos="0">
+              <a:schemeClr val="phClr">
+                <a:satMod val="103000"/>
+                <a:lumMod val="102000"/>
+                <a:tint val="94000"/>
+              </a:schemeClr>
+            </a:gs>
+            <a:gs pos="50000">
+              <a:schemeClr val="phClr">
+                <a:satMod val="110000"/>
+                <a:lumMod val="100000"/>
+                <a:shade val="100000"/>
+              </a:schemeClr>
+            </a:gs>
+            <a:gs pos="100000">
+              <a:schemeClr val="phClr">
+                <a:lumMod val="99000"/>
+                <a:satMod val="120000"/>
+                <a:shade val="78000"/>
+              </a:schemeClr>
+            </a:gs>
+          </a:gsLst>
+          <a:lin ang="5400000" scaled="0"/>
+        </a:gradFill>
+      </a:fillStyleLst>
+      <a:lnStyleLst>
+        <a:ln w="6350" cap="flat" cmpd="sng" algn="ctr">
+          <a:solidFill>
+            <a:schemeClr val="phClr"/>
+          </a:solidFill>
+          <a:prstDash val="solid"/>
+          <a:miter lim="800000"/>
+        </a:ln>
+        <a:ln w="12700" cap="flat" cmpd="sng" algn="ctr">
+          <a:solidFill>
+            <a:schemeClr val="phClr"/>
+          </a:solidFill>
+          <a:prstDash val="solid"/>
+          <a:miter lim="800000"/>
+        </a:ln>
+        <a:ln w="19050" cap="flat" cmpd="sng" algn="ctr">
+          <a:solidFill>
+            <a:schemeClr val="phClr"/>
+          </a:solidFill>
+          <a:prstDash val="solid"/>
+          <a:miter lim="800000"/>
+        </a:ln>
+      </a:lnStyleLst>
+      <a:effectStyleLst>
+        <a:effectStyle>
+          <a:effectLst/>
+        </a:effectStyle>
+        <a:effectStyle>
+          <a:effectLst/>
+        </a:effectStyle>
+        <a:effectStyle>
+          <a:effectLst>
+            <a:outerShdw blurRad="57150" dist="19050" dir="5400000" algn="ctr" rotWithShape="0">
+              <a:srgbClr val="000000">
+                <a:alpha val="63000"/>
+              </a:srgbClr>
+            </a:outerShdw>
+          </a:effectLst>
+        </a:effectStyle>
+      </a:effectStyleLst>
+      <a:bgFillStyleLst>
+        <a:solidFill>
+          <a:schemeClr val="phClr"/>
+        </a:solidFill>
+        <a:solidFill>
+          <a:schemeClr val="phClr">
+            <a:tint val="95000"/>
+            <a:satMod val="170000"/>
+          </a:schemeClr>
+        </a:solidFill>
+        <a:gradFill rotWithShape="1">
+          <a:gsLst>
+            <a:gs pos="0">
+              <a:schemeClr val="phClr">
+                <a:tint val="93000"/>
+                <a:satMod val="150000"/>
+                <a:shade val="98000"/>
+                <a:lumMod val="102000"/>
+              </a:schemeClr>
+            </a:gs>
+            <a:gs pos="50000">
+              <a:schemeClr val="phClr">
+                <a:tint val="98000"/>
+                <a:satMod val="130000"/>
+                <a:shade val="90000"/>
+                <a:lumMod val="103000"/>
+              </a:schemeClr>
+            </a:gs>
+            <a:gs pos="100000">
+              <a:schemeClr val="phClr">
+                <a:shade val="63000"/>
+                <a:satMod val="120000"/>
+              </a:schemeClr>
+            </a:gs>
+          </a:gsLst>
+          <a:lin ang="5400000" scaled="0"/>
+        </a:gradFill>
+      </a:bgFillStyleLst>
+    </a:fmtScheme>
+  </a:themeElements>
+  <a:objectDefaults/>
+  <a:extraClrSchemeLst/>
+  <a:extLst>
+    <a:ext uri="{05A4C25C-085E-4340-85A3-A5531E510DB2}">
+      <thm15:themeFamily xmlns:thm15="http://schemas.microsoft.com/office/thememl/2012/main" name="Office Theme" id="{62F939B6-93AF-4DB8-9C6B-D6C7DFDC589F}" vid="{4A3C46E8-61CC-4603-A589-7422A47A8E4A}"/>
+    </a:ext>
+  </a:extLst>
+</a:theme>
 </file>